--- a/1212_PSO/進度講解.pptx
+++ b/1212_PSO/進度講解.pptx
@@ -15,6 +15,7 @@
     <p:sldId id="260" r:id="rId9"/>
     <p:sldId id="268" r:id="rId10"/>
     <p:sldId id="266" r:id="rId11"/>
+    <p:sldId id="269" r:id="rId12"/>
   </p:sldIdLst>
   <p:sldSz cx="12192000" cy="6858000"/>
   <p:notesSz cx="6858000" cy="9144000"/>
@@ -252,7 +253,7 @@
           <a:p>
             <a:fld id="{D6A1C83F-65FD-42AA-9BEF-3531B125F111}" type="datetimeFigureOut">
               <a:rPr lang="zh-TW" altLang="en-US" smtClean="0"/>
-              <a:t>2016/12/26</a:t>
+              <a:t>2016/12/28</a:t>
             </a:fld>
             <a:endParaRPr lang="zh-TW" altLang="en-US"/>
           </a:p>
@@ -422,7 +423,7 @@
           <a:p>
             <a:fld id="{D6A1C83F-65FD-42AA-9BEF-3531B125F111}" type="datetimeFigureOut">
               <a:rPr lang="zh-TW" altLang="en-US" smtClean="0"/>
-              <a:t>2016/12/26</a:t>
+              <a:t>2016/12/28</a:t>
             </a:fld>
             <a:endParaRPr lang="zh-TW" altLang="en-US"/>
           </a:p>
@@ -602,7 +603,7 @@
           <a:p>
             <a:fld id="{D6A1C83F-65FD-42AA-9BEF-3531B125F111}" type="datetimeFigureOut">
               <a:rPr lang="zh-TW" altLang="en-US" smtClean="0"/>
-              <a:t>2016/12/26</a:t>
+              <a:t>2016/12/28</a:t>
             </a:fld>
             <a:endParaRPr lang="zh-TW" altLang="en-US"/>
           </a:p>
@@ -772,7 +773,7 @@
           <a:p>
             <a:fld id="{D6A1C83F-65FD-42AA-9BEF-3531B125F111}" type="datetimeFigureOut">
               <a:rPr lang="zh-TW" altLang="en-US" smtClean="0"/>
-              <a:t>2016/12/26</a:t>
+              <a:t>2016/12/28</a:t>
             </a:fld>
             <a:endParaRPr lang="zh-TW" altLang="en-US"/>
           </a:p>
@@ -1018,7 +1019,7 @@
           <a:p>
             <a:fld id="{D6A1C83F-65FD-42AA-9BEF-3531B125F111}" type="datetimeFigureOut">
               <a:rPr lang="zh-TW" altLang="en-US" smtClean="0"/>
-              <a:t>2016/12/26</a:t>
+              <a:t>2016/12/28</a:t>
             </a:fld>
             <a:endParaRPr lang="zh-TW" altLang="en-US"/>
           </a:p>
@@ -1250,7 +1251,7 @@
           <a:p>
             <a:fld id="{D6A1C83F-65FD-42AA-9BEF-3531B125F111}" type="datetimeFigureOut">
               <a:rPr lang="zh-TW" altLang="en-US" smtClean="0"/>
-              <a:t>2016/12/26</a:t>
+              <a:t>2016/12/28</a:t>
             </a:fld>
             <a:endParaRPr lang="zh-TW" altLang="en-US"/>
           </a:p>
@@ -1617,7 +1618,7 @@
           <a:p>
             <a:fld id="{D6A1C83F-65FD-42AA-9BEF-3531B125F111}" type="datetimeFigureOut">
               <a:rPr lang="zh-TW" altLang="en-US" smtClean="0"/>
-              <a:t>2016/12/26</a:t>
+              <a:t>2016/12/28</a:t>
             </a:fld>
             <a:endParaRPr lang="zh-TW" altLang="en-US"/>
           </a:p>
@@ -1735,7 +1736,7 @@
           <a:p>
             <a:fld id="{D6A1C83F-65FD-42AA-9BEF-3531B125F111}" type="datetimeFigureOut">
               <a:rPr lang="zh-TW" altLang="en-US" smtClean="0"/>
-              <a:t>2016/12/26</a:t>
+              <a:t>2016/12/28</a:t>
             </a:fld>
             <a:endParaRPr lang="zh-TW" altLang="en-US"/>
           </a:p>
@@ -1830,7 +1831,7 @@
           <a:p>
             <a:fld id="{D6A1C83F-65FD-42AA-9BEF-3531B125F111}" type="datetimeFigureOut">
               <a:rPr lang="zh-TW" altLang="en-US" smtClean="0"/>
-              <a:t>2016/12/26</a:t>
+              <a:t>2016/12/28</a:t>
             </a:fld>
             <a:endParaRPr lang="zh-TW" altLang="en-US"/>
           </a:p>
@@ -2107,7 +2108,7 @@
           <a:p>
             <a:fld id="{D6A1C83F-65FD-42AA-9BEF-3531B125F111}" type="datetimeFigureOut">
               <a:rPr lang="zh-TW" altLang="en-US" smtClean="0"/>
-              <a:t>2016/12/26</a:t>
+              <a:t>2016/12/28</a:t>
             </a:fld>
             <a:endParaRPr lang="zh-TW" altLang="en-US"/>
           </a:p>
@@ -2360,7 +2361,7 @@
           <a:p>
             <a:fld id="{D6A1C83F-65FD-42AA-9BEF-3531B125F111}" type="datetimeFigureOut">
               <a:rPr lang="zh-TW" altLang="en-US" smtClean="0"/>
-              <a:t>2016/12/26</a:t>
+              <a:t>2016/12/28</a:t>
             </a:fld>
             <a:endParaRPr lang="zh-TW" altLang="en-US"/>
           </a:p>
@@ -2573,7 +2574,7 @@
           <a:p>
             <a:fld id="{D6A1C83F-65FD-42AA-9BEF-3531B125F111}" type="datetimeFigureOut">
               <a:rPr lang="zh-TW" altLang="en-US" smtClean="0"/>
-              <a:t>2016/12/26</a:t>
+              <a:t>2016/12/28</a:t>
             </a:fld>
             <a:endParaRPr lang="zh-TW" altLang="en-US"/>
           </a:p>
@@ -3075,21 +3076,22 @@
       </p:grpSpPr>
       <p:pic>
         <p:nvPicPr>
-          <p:cNvPr id="4" name="圖片 3"/>
+          <p:cNvPr id="3" name="圖片 2"/>
           <p:cNvPicPr>
             <a:picLocks noChangeAspect="1"/>
           </p:cNvPicPr>
           <p:nvPr/>
         </p:nvPicPr>
-        <p:blipFill rotWithShape="1">
+        <p:blipFill>
           <a:blip r:embed="rId2"/>
-          <a:srcRect t="4761"/>
-          <a:stretch/>
+          <a:stretch>
+            <a:fillRect/>
+          </a:stretch>
         </p:blipFill>
         <p:spPr>
           <a:xfrm>
-            <a:off x="1133310" y="150920"/>
-            <a:ext cx="9209175" cy="6570868"/>
+            <a:off x="2348918" y="764269"/>
+            <a:ext cx="6268330" cy="4696116"/>
           </a:xfrm>
           <a:prstGeom prst="rect">
             <a:avLst/>
@@ -3100,6 +3102,91 @@
     <p:extLst>
       <p:ext uri="{BB962C8B-B14F-4D97-AF65-F5344CB8AC3E}">
         <p14:creationId xmlns:p14="http://schemas.microsoft.com/office/powerpoint/2010/main" val="2843469067"/>
+      </p:ext>
+    </p:extLst>
+  </p:cSld>
+  <p:clrMapOvr>
+    <a:masterClrMapping/>
+  </p:clrMapOvr>
+  <p:timing>
+    <p:tnLst>
+      <p:par>
+        <p:cTn id="1" dur="indefinite" restart="never" nodeType="tmRoot"/>
+      </p:par>
+    </p:tnLst>
+  </p:timing>
+</p:sld>
+</file>
+
+<file path=ppt/slides/slide11.xml><?xml version="1.0" encoding="utf-8"?>
+<p:sld xmlns:a="http://schemas.openxmlformats.org/drawingml/2006/main" xmlns:r="http://schemas.openxmlformats.org/officeDocument/2006/relationships" xmlns:p="http://schemas.openxmlformats.org/presentationml/2006/main">
+  <p:cSld>
+    <p:spTree>
+      <p:nvGrpSpPr>
+        <p:cNvPr id="1" name=""/>
+        <p:cNvGrpSpPr/>
+        <p:nvPr/>
+      </p:nvGrpSpPr>
+      <p:grpSpPr>
+        <a:xfrm>
+          <a:off x="0" y="0"/>
+          <a:ext cx="0" cy="0"/>
+          <a:chOff x="0" y="0"/>
+          <a:chExt cx="0" cy="0"/>
+        </a:xfrm>
+      </p:grpSpPr>
+      <p:pic>
+        <p:nvPicPr>
+          <p:cNvPr id="7" name="圖片 6"/>
+          <p:cNvPicPr>
+            <a:picLocks noChangeAspect="1"/>
+          </p:cNvPicPr>
+          <p:nvPr/>
+        </p:nvPicPr>
+        <p:blipFill>
+          <a:blip r:embed="rId2"/>
+          <a:stretch>
+            <a:fillRect/>
+          </a:stretch>
+        </p:blipFill>
+        <p:spPr>
+          <a:xfrm>
+            <a:off x="445658" y="1309553"/>
+            <a:ext cx="5344500" cy="4004000"/>
+          </a:xfrm>
+          <a:prstGeom prst="rect">
+            <a:avLst/>
+          </a:prstGeom>
+        </p:spPr>
+      </p:pic>
+      <p:pic>
+        <p:nvPicPr>
+          <p:cNvPr id="9" name="圖片 8"/>
+          <p:cNvPicPr>
+            <a:picLocks noChangeAspect="1"/>
+          </p:cNvPicPr>
+          <p:nvPr/>
+        </p:nvPicPr>
+        <p:blipFill>
+          <a:blip r:embed="rId3"/>
+          <a:stretch>
+            <a:fillRect/>
+          </a:stretch>
+        </p:blipFill>
+        <p:spPr>
+          <a:xfrm>
+            <a:off x="5999170" y="1309553"/>
+            <a:ext cx="5344500" cy="4004000"/>
+          </a:xfrm>
+          <a:prstGeom prst="rect">
+            <a:avLst/>
+          </a:prstGeom>
+        </p:spPr>
+      </p:pic>
+    </p:spTree>
+    <p:extLst>
+      <p:ext uri="{BB962C8B-B14F-4D97-AF65-F5344CB8AC3E}">
+        <p14:creationId xmlns:p14="http://schemas.microsoft.com/office/powerpoint/2010/main" val="4073054981"/>
       </p:ext>
     </p:extLst>
   </p:cSld>
@@ -3991,8 +4078,8 @@
           </a:p>
         </p:txBody>
       </p:sp>
-      <mc:AlternateContent xmlns:mc="http://schemas.openxmlformats.org/markup-compatibility/2006">
-        <mc:Choice xmlns:a14="http://schemas.microsoft.com/office/drawing/2010/main" Requires="a14">
+      <mc:AlternateContent xmlns:mc="http://schemas.openxmlformats.org/markup-compatibility/2006" xmlns:a14="http://schemas.microsoft.com/office/drawing/2010/main">
+        <mc:Choice Requires="a14">
           <p:sp>
             <p:nvSpPr>
               <p:cNvPr id="5" name="文字方塊 4"/>
@@ -4094,7 +4181,7 @@
             </p:txBody>
           </p:sp>
         </mc:Choice>
-        <mc:Fallback>
+        <mc:Fallback xmlns="">
           <p:sp>
             <p:nvSpPr>
               <p:cNvPr id="5" name="文字方塊 4"/>
@@ -4133,145 +4220,46 @@
           </p:sp>
         </mc:Fallback>
       </mc:AlternateContent>
-      <mc:AlternateContent xmlns:mc="http://schemas.openxmlformats.org/markup-compatibility/2006">
-        <mc:Choice xmlns:a14="http://schemas.microsoft.com/office/drawing/2010/main" Requires="a14">
-          <p:sp>
-            <p:nvSpPr>
-              <p:cNvPr id="6" name="文字方塊 5"/>
-              <p:cNvSpPr txBox="1"/>
-              <p:nvPr/>
-            </p:nvSpPr>
-            <p:spPr>
-              <a:xfrm>
-                <a:off x="838200" y="2169507"/>
-                <a:ext cx="3524042" cy="584775"/>
-              </a:xfrm>
-              <a:prstGeom prst="rect">
-                <a:avLst/>
-              </a:prstGeom>
-              <a:noFill/>
-            </p:spPr>
-            <p:txBody>
-              <a:bodyPr wrap="none" rtlCol="0">
-                <a:spAutoFit/>
-              </a:bodyPr>
-              <a:lstStyle/>
-              <a:p>
-                <a:r>
-                  <a:rPr lang="en-US" altLang="zh-TW" sz="3200" dirty="0" smtClean="0"/>
-                  <a:t>X : rand in</a:t>
-                </a:r>
-                <a14:m>
-                  <m:oMath xmlns:m="http://schemas.openxmlformats.org/officeDocument/2006/math">
-                    <m:sSup>
-                      <m:sSupPr>
-                        <m:ctrlPr>
-                          <a:rPr lang="en-US" altLang="zh-TW" sz="3200" b="0" i="1" smtClean="0">
-                            <a:latin typeface="Cambria Math" panose="02040503050406030204" pitchFamily="18" charset="0"/>
-                          </a:rPr>
-                        </m:ctrlPr>
-                      </m:sSupPr>
-                      <m:e>
-                        <m:d>
-                          <m:dPr>
-                            <m:begChr m:val="["/>
-                            <m:endChr m:val="]"/>
-                            <m:ctrlPr>
-                              <a:rPr lang="en-US" altLang="zh-TW" sz="3200" b="0" i="0" smtClean="0">
-                                <a:latin typeface="Cambria Math" panose="02040503050406030204" pitchFamily="18" charset="0"/>
-                              </a:rPr>
-                            </m:ctrlPr>
-                          </m:dPr>
-                          <m:e>
-                            <m:r>
-                              <a:rPr lang="en-US" altLang="zh-TW" sz="3200" b="0" i="1" smtClean="0">
-                                <a:latin typeface="Cambria Math" panose="02040503050406030204" pitchFamily="18" charset="0"/>
-                              </a:rPr>
-                              <m:t>−2,2</m:t>
-                            </m:r>
-                          </m:e>
-                        </m:d>
-                      </m:e>
-                      <m:sup>
-                        <m:r>
-                          <a:rPr lang="en-US" altLang="zh-TW" sz="3200" b="0" i="1" smtClean="0">
-                            <a:latin typeface="Cambria Math" panose="02040503050406030204" pitchFamily="18" charset="0"/>
-                          </a:rPr>
-                          <m:t>100</m:t>
-                        </m:r>
-                      </m:sup>
-                    </m:sSup>
-                  </m:oMath>
-                </a14:m>
-                <a:endParaRPr lang="zh-TW" altLang="en-US" sz="3200" dirty="0"/>
-              </a:p>
-            </p:txBody>
-          </p:sp>
-        </mc:Choice>
-        <mc:Fallback>
-          <p:sp>
-            <p:nvSpPr>
-              <p:cNvPr id="6" name="文字方塊 5"/>
-              <p:cNvSpPr txBox="1">
-                <a:spLocks noRot="1" noChangeAspect="1" noMove="1" noResize="1" noEditPoints="1" noAdjustHandles="1" noChangeArrowheads="1" noChangeShapeType="1" noTextEdit="1"/>
-              </p:cNvSpPr>
-              <p:nvPr/>
-            </p:nvSpPr>
-            <p:spPr>
-              <a:xfrm>
-                <a:off x="838200" y="2169507"/>
-                <a:ext cx="3524042" cy="584775"/>
-              </a:xfrm>
-              <a:prstGeom prst="rect">
-                <a:avLst/>
-              </a:prstGeom>
-              <a:blipFill rotWithShape="0">
-                <a:blip r:embed="rId3"/>
-                <a:stretch>
-                  <a:fillRect l="-4498" t="-12500" b="-34375"/>
-                </a:stretch>
-              </a:blipFill>
-            </p:spPr>
-            <p:txBody>
-              <a:bodyPr/>
-              <a:lstStyle/>
-              <a:p>
-                <a:r>
-                  <a:rPr lang="zh-TW" altLang="en-US">
-                    <a:noFill/>
-                  </a:rPr>
-                  <a:t> </a:t>
-                </a:r>
-              </a:p>
-            </p:txBody>
-          </p:sp>
-        </mc:Fallback>
-      </mc:AlternateContent>
-      <p:pic>
-        <p:nvPicPr>
-          <p:cNvPr id="7" name="圖片 6"/>
-          <p:cNvPicPr>
-            <a:picLocks noChangeAspect="1"/>
-          </p:cNvPicPr>
+      <p:sp>
+        <p:nvSpPr>
+          <p:cNvPr id="6" name="文字方塊 5"/>
+          <p:cNvSpPr txBox="1"/>
           <p:nvPr/>
-        </p:nvPicPr>
-        <p:blipFill rotWithShape="1">
-          <a:blip r:embed="rId4"/>
-          <a:srcRect r="5285"/>
-          <a:stretch/>
-        </p:blipFill>
+        </p:nvSpPr>
         <p:spPr>
           <a:xfrm>
-            <a:off x="5344357" y="255686"/>
-            <a:ext cx="6473950" cy="4147637"/>
+            <a:off x="838200" y="2169507"/>
+            <a:ext cx="2929007" cy="584775"/>
           </a:xfrm>
           <a:prstGeom prst="rect">
             <a:avLst/>
           </a:prstGeom>
+          <a:noFill/>
         </p:spPr>
-      </p:pic>
-      <mc:AlternateContent xmlns:mc="http://schemas.openxmlformats.org/markup-compatibility/2006">
-        <mc:Choice xmlns:a14="http://schemas.microsoft.com/office/drawing/2010/main" Requires="a14">
+        <p:txBody>
+          <a:bodyPr wrap="none" rtlCol="0">
+            <a:spAutoFit/>
+          </a:bodyPr>
+          <a:lstStyle/>
+          <a:p>
+            <a:r>
+              <a:rPr lang="en-US" altLang="zh-TW" sz="3200" dirty="0" smtClean="0"/>
+              <a:t>x=</a:t>
+            </a:r>
+            <a:r>
+              <a:rPr lang="en-US" altLang="zh-TW" sz="3200" dirty="0" err="1" smtClean="0"/>
+              <a:t>linspace</a:t>
+            </a:r>
+            <a:r>
+              <a:rPr lang="en-US" altLang="zh-TW" sz="3200" dirty="0" smtClean="0"/>
+              <a:t>(-2,2)</a:t>
+            </a:r>
+            <a:endParaRPr lang="zh-TW" altLang="en-US" sz="3200" dirty="0"/>
+          </a:p>
+        </p:txBody>
+      </p:sp>
+      <mc:AlternateContent xmlns:mc="http://schemas.openxmlformats.org/markup-compatibility/2006" xmlns:a14="http://schemas.microsoft.com/office/drawing/2010/main">
+        <mc:Choice Requires="a14">
           <p:sp>
             <p:nvSpPr>
               <p:cNvPr id="8" name="文字方塊 7"/>
@@ -4386,7 +4374,7 @@
             </p:txBody>
           </p:sp>
         </mc:Choice>
-        <mc:Fallback>
+        <mc:Fallback xmlns="">
           <p:sp>
             <p:nvSpPr>
               <p:cNvPr id="8" name="文字方塊 7"/>
@@ -4458,8 +4446,8 @@
           </a:fontRef>
         </p:style>
       </p:cxnSp>
-      <mc:AlternateContent xmlns:mc="http://schemas.openxmlformats.org/markup-compatibility/2006">
-        <mc:Choice xmlns:a14="http://schemas.microsoft.com/office/drawing/2010/main" Requires="a14">
+      <mc:AlternateContent xmlns:mc="http://schemas.openxmlformats.org/markup-compatibility/2006" xmlns:a14="http://schemas.microsoft.com/office/drawing/2010/main">
+        <mc:Choice Requires="a14">
           <p:sp>
             <p:nvSpPr>
               <p:cNvPr id="12" name="文字方塊 11"/>
@@ -4482,6 +4470,7 @@
               </a:bodyPr>
               <a:lstStyle/>
               <a:p>
+                <a:pPr/>
                 <a14:m>
                   <m:oMathPara xmlns:m="http://schemas.openxmlformats.org/officeDocument/2006/math">
                     <m:oMathParaPr>
@@ -4578,7 +4567,7 @@
             </p:txBody>
           </p:sp>
         </mc:Choice>
-        <mc:Fallback>
+        <mc:Fallback xmlns="">
           <p:sp>
             <p:nvSpPr>
               <p:cNvPr id="12" name="文字方塊 11"/>
@@ -4617,8 +4606,8 @@
           </p:sp>
         </mc:Fallback>
       </mc:AlternateContent>
-      <mc:AlternateContent xmlns:mc="http://schemas.openxmlformats.org/markup-compatibility/2006">
-        <mc:Choice xmlns:a14="http://schemas.microsoft.com/office/drawing/2010/main" Requires="a14">
+      <mc:AlternateContent xmlns:mc="http://schemas.openxmlformats.org/markup-compatibility/2006" xmlns:a14="http://schemas.microsoft.com/office/drawing/2010/main">
+        <mc:Choice Requires="a14">
           <p:sp>
             <p:nvSpPr>
               <p:cNvPr id="13" name="文字方塊 12"/>
@@ -4641,6 +4630,7 @@
               </a:bodyPr>
               <a:lstStyle/>
               <a:p>
+                <a:pPr/>
                 <a14:m>
                   <m:oMathPara xmlns:m="http://schemas.openxmlformats.org/officeDocument/2006/math">
                     <m:oMathParaPr>
@@ -4686,7 +4676,7 @@
             </p:txBody>
           </p:sp>
         </mc:Choice>
-        <mc:Fallback>
+        <mc:Fallback xmlns="">
           <p:sp>
             <p:nvSpPr>
               <p:cNvPr id="13" name="文字方塊 12"/>
@@ -4844,7 +4834,7 @@
                             </p:stCondLst>
                             <p:childTnLst>
                               <p:par>
-                                <p:cTn id="10" presetID="10" presetClass="entr" presetSubtype="0" fill="hold" nodeType="clickEffect">
+                                <p:cTn id="10" presetID="10" presetClass="entr" presetSubtype="0" fill="hold" grpId="0" nodeType="clickEffect">
                                   <p:stCondLst>
                                     <p:cond delay="0"/>
                                   </p:stCondLst>
@@ -4857,7 +4847,7 @@
                                           </p:stCondLst>
                                         </p:cTn>
                                         <p:tgtEl>
-                                          <p:spTgt spid="7"/>
+                                          <p:spTgt spid="8"/>
                                         </p:tgtEl>
                                         <p:attrNameLst>
                                           <p:attrName>style.visibility</p:attrName>
@@ -4871,7 +4861,7 @@
                                       <p:cBhvr>
                                         <p:cTn id="12" dur="500"/>
                                         <p:tgtEl>
-                                          <p:spTgt spid="7"/>
+                                          <p:spTgt spid="8"/>
                                         </p:tgtEl>
                                       </p:cBhvr>
                                     </p:animEffect>
@@ -4897,7 +4887,7 @@
                             </p:stCondLst>
                             <p:childTnLst>
                               <p:par>
-                                <p:cTn id="15" presetID="10" presetClass="entr" presetSubtype="0" fill="hold" grpId="0" nodeType="clickEffect">
+                                <p:cTn id="15" presetID="10" presetClass="entr" presetSubtype="0" fill="hold" nodeType="clickEffect">
                                   <p:stCondLst>
                                     <p:cond delay="0"/>
                                   </p:stCondLst>
@@ -4905,59 +4895,6 @@
                                     <p:set>
                                       <p:cBhvr>
                                         <p:cTn id="16" dur="1" fill="hold">
-                                          <p:stCondLst>
-                                            <p:cond delay="0"/>
-                                          </p:stCondLst>
-                                        </p:cTn>
-                                        <p:tgtEl>
-                                          <p:spTgt spid="8"/>
-                                        </p:tgtEl>
-                                        <p:attrNameLst>
-                                          <p:attrName>style.visibility</p:attrName>
-                                        </p:attrNameLst>
-                                      </p:cBhvr>
-                                      <p:to>
-                                        <p:strVal val="visible"/>
-                                      </p:to>
-                                    </p:set>
-                                    <p:animEffect transition="in" filter="fade">
-                                      <p:cBhvr>
-                                        <p:cTn id="17" dur="500"/>
-                                        <p:tgtEl>
-                                          <p:spTgt spid="8"/>
-                                        </p:tgtEl>
-                                      </p:cBhvr>
-                                    </p:animEffect>
-                                  </p:childTnLst>
-                                </p:cTn>
-                              </p:par>
-                            </p:childTnLst>
-                          </p:cTn>
-                        </p:par>
-                      </p:childTnLst>
-                    </p:cTn>
-                  </p:par>
-                  <p:par>
-                    <p:cTn id="18" fill="hold">
-                      <p:stCondLst>
-                        <p:cond delay="indefinite"/>
-                      </p:stCondLst>
-                      <p:childTnLst>
-                        <p:par>
-                          <p:cTn id="19" fill="hold">
-                            <p:stCondLst>
-                              <p:cond delay="0"/>
-                            </p:stCondLst>
-                            <p:childTnLst>
-                              <p:par>
-                                <p:cTn id="20" presetID="10" presetClass="entr" presetSubtype="0" fill="hold" nodeType="clickEffect">
-                                  <p:stCondLst>
-                                    <p:cond delay="0"/>
-                                  </p:stCondLst>
-                                  <p:childTnLst>
-                                    <p:set>
-                                      <p:cBhvr>
-                                        <p:cTn id="21" dur="1" fill="hold">
                                           <p:stCondLst>
                                             <p:cond delay="0"/>
                                           </p:stCondLst>
@@ -4975,7 +4912,7 @@
                                     </p:set>
                                     <p:animEffect transition="in" filter="fade">
                                       <p:cBhvr>
-                                        <p:cTn id="22" dur="500"/>
+                                        <p:cTn id="17" dur="500"/>
                                         <p:tgtEl>
                                           <p:spTgt spid="10"/>
                                         </p:tgtEl>
@@ -4985,14 +4922,14 @@
                                 </p:cTn>
                               </p:par>
                               <p:par>
-                                <p:cTn id="23" presetID="10" presetClass="entr" presetSubtype="0" fill="hold" grpId="0" nodeType="withEffect">
+                                <p:cTn id="18" presetID="10" presetClass="entr" presetSubtype="0" fill="hold" grpId="0" nodeType="withEffect">
                                   <p:stCondLst>
                                     <p:cond delay="0"/>
                                   </p:stCondLst>
                                   <p:childTnLst>
                                     <p:set>
                                       <p:cBhvr>
-                                        <p:cTn id="24" dur="1" fill="hold">
+                                        <p:cTn id="19" dur="1" fill="hold">
                                           <p:stCondLst>
                                             <p:cond delay="0"/>
                                           </p:stCondLst>
@@ -5010,7 +4947,7 @@
                                     </p:set>
                                     <p:animEffect transition="in" filter="fade">
                                       <p:cBhvr>
-                                        <p:cTn id="25" dur="500"/>
+                                        <p:cTn id="20" dur="500"/>
                                         <p:tgtEl>
                                           <p:spTgt spid="12"/>
                                         </p:tgtEl>
@@ -5026,26 +4963,26 @@
                     </p:cTn>
                   </p:par>
                   <p:par>
-                    <p:cTn id="26" fill="hold">
+                    <p:cTn id="21" fill="hold">
                       <p:stCondLst>
                         <p:cond delay="indefinite"/>
                       </p:stCondLst>
                       <p:childTnLst>
                         <p:par>
-                          <p:cTn id="27" fill="hold">
+                          <p:cTn id="22" fill="hold">
                             <p:stCondLst>
                               <p:cond delay="0"/>
                             </p:stCondLst>
                             <p:childTnLst>
                               <p:par>
-                                <p:cTn id="28" presetID="10" presetClass="entr" presetSubtype="0" fill="hold" grpId="0" nodeType="clickEffect">
+                                <p:cTn id="23" presetID="10" presetClass="entr" presetSubtype="0" fill="hold" grpId="0" nodeType="clickEffect">
                                   <p:stCondLst>
                                     <p:cond delay="0"/>
                                   </p:stCondLst>
                                   <p:childTnLst>
                                     <p:set>
                                       <p:cBhvr>
-                                        <p:cTn id="29" dur="1" fill="hold">
+                                        <p:cTn id="24" dur="1" fill="hold">
                                           <p:stCondLst>
                                             <p:cond delay="0"/>
                                           </p:stCondLst>
@@ -5063,7 +5000,7 @@
                                     </p:set>
                                     <p:animEffect transition="in" filter="fade">
                                       <p:cBhvr>
-                                        <p:cTn id="30" dur="500"/>
+                                        <p:cTn id="25" dur="500"/>
                                         <p:tgtEl>
                                           <p:spTgt spid="13"/>
                                         </p:tgtEl>
@@ -5073,14 +5010,14 @@
                                 </p:cTn>
                               </p:par>
                               <p:par>
-                                <p:cTn id="31" presetID="10" presetClass="entr" presetSubtype="0" fill="hold" nodeType="withEffect">
+                                <p:cTn id="26" presetID="10" presetClass="entr" presetSubtype="0" fill="hold" nodeType="withEffect">
                                   <p:stCondLst>
                                     <p:cond delay="0"/>
                                   </p:stCondLst>
                                   <p:childTnLst>
                                     <p:set>
                                       <p:cBhvr>
-                                        <p:cTn id="32" dur="1" fill="hold">
+                                        <p:cTn id="27" dur="1" fill="hold">
                                           <p:stCondLst>
                                             <p:cond delay="0"/>
                                           </p:stCondLst>
@@ -5098,7 +5035,7 @@
                                     </p:set>
                                     <p:animEffect transition="in" filter="fade">
                                       <p:cBhvr>
-                                        <p:cTn id="33" dur="500"/>
+                                        <p:cTn id="28" dur="500"/>
                                         <p:tgtEl>
                                           <p:spTgt spid="14"/>
                                         </p:tgtEl>
@@ -7390,11 +7327,7 @@
           <a:p>
             <a:r>
               <a:rPr lang="en-US" altLang="zh-TW" sz="3600" dirty="0" smtClean="0"/>
-              <a:t>Premise(4 rules)        </a:t>
-            </a:r>
-            <a:r>
-              <a:rPr lang="en-US" altLang="zh-TW" sz="3600" dirty="0" smtClean="0"/>
-              <a:t>=&gt;          4*2=8 parameters </a:t>
+              <a:t>Premise(4 rules)        =&gt;          4*2=8 parameters </a:t>
             </a:r>
             <a:endParaRPr lang="zh-TW" altLang="en-US" sz="3600" dirty="0"/>
           </a:p>
@@ -7424,11 +7357,7 @@
           <a:p>
             <a:r>
               <a:rPr lang="en-US" altLang="zh-TW" sz="3600" dirty="0" smtClean="0"/>
-              <a:t>Consequence(T-S)       </a:t>
-            </a:r>
-            <a:r>
-              <a:rPr lang="en-US" altLang="zh-TW" sz="3600" dirty="0" smtClean="0"/>
-              <a:t>=&gt;          4*3=12 parameters </a:t>
+              <a:t>Consequence(T-S)       =&gt;          4*3=12 parameters </a:t>
             </a:r>
             <a:endParaRPr lang="zh-TW" altLang="en-US" sz="3600" dirty="0"/>
           </a:p>
@@ -7756,636 +7685,1245 @@
           <a:chExt cx="0" cy="0"/>
         </a:xfrm>
       </p:grpSpPr>
-      <p:graphicFrame>
-        <p:nvGraphicFramePr>
-          <p:cNvPr id="5" name="表格 4"/>
-          <p:cNvGraphicFramePr>
-            <a:graphicFrameLocks noGrp="1"/>
-          </p:cNvGraphicFramePr>
-          <p:nvPr>
-            <p:extLst>
-              <p:ext uri="{D42A27DB-BD31-4B8C-83A1-F6EECF244321}">
-                <p14:modId xmlns:p14="http://schemas.microsoft.com/office/powerpoint/2010/main" val="2650147853"/>
-              </p:ext>
-            </p:extLst>
-          </p:nvPr>
-        </p:nvGraphicFramePr>
-        <p:xfrm>
-          <a:off x="1162973" y="894318"/>
-          <a:ext cx="9658904" cy="1437609"/>
-        </p:xfrm>
-        <a:graphic>
-          <a:graphicData uri="http://schemas.openxmlformats.org/drawingml/2006/table">
-            <a:tbl>
-              <a:tblPr firstRow="1" bandRow="1">
-                <a:tableStyleId>{C083E6E3-FA7D-4D7B-A595-EF9225AFEA82}</a:tableStyleId>
-              </a:tblPr>
-              <a:tblGrid>
-                <a:gridCol w="1207363"/>
-                <a:gridCol w="1207363"/>
-                <a:gridCol w="1207363"/>
-                <a:gridCol w="1207363"/>
-                <a:gridCol w="1207363"/>
-                <a:gridCol w="1207363"/>
-                <a:gridCol w="1207363"/>
-                <a:gridCol w="1207363"/>
-              </a:tblGrid>
-              <a:tr h="479203">
-                <a:tc gridSpan="4">
-                  <a:txBody>
-                    <a:bodyPr/>
-                    <a:lstStyle/>
-                    <a:p>
-                      <a:pPr algn="ctr"/>
-                      <a:r>
-                        <a:rPr lang="en-US" altLang="zh-TW" dirty="0" smtClean="0"/>
-                        <a:t>X1(INPUT1)</a:t>
-                      </a:r>
-                      <a:endParaRPr lang="zh-TW" altLang="en-US" dirty="0"/>
-                    </a:p>
-                  </a:txBody>
-                  <a:tcPr>
-                    <a:lnR w="12700" cap="flat" cmpd="sng" algn="ctr">
-                      <a:solidFill>
-                        <a:schemeClr val="tx1"/>
-                      </a:solidFill>
-                      <a:prstDash val="solid"/>
-                      <a:round/>
-                      <a:headEnd type="none" w="med" len="med"/>
-                      <a:tailEnd type="none" w="med" len="med"/>
-                    </a:lnR>
-                    <a:lnT w="12700" cap="flat" cmpd="sng" algn="ctr">
-                      <a:solidFill>
-                        <a:schemeClr val="tx1"/>
-                      </a:solidFill>
-                      <a:prstDash val="solid"/>
-                      <a:round/>
-                      <a:headEnd type="none" w="med" len="med"/>
-                      <a:tailEnd type="none" w="med" len="med"/>
-                    </a:lnT>
-                  </a:tcPr>
-                </a:tc>
-                <a:tc hMerge="1">
-                  <a:txBody>
-                    <a:bodyPr/>
-                    <a:lstStyle/>
-                    <a:p>
-                      <a:endParaRPr lang="zh-TW" altLang="en-US"/>
-                    </a:p>
-                  </a:txBody>
-                  <a:tcPr/>
-                </a:tc>
-                <a:tc hMerge="1">
-                  <a:txBody>
-                    <a:bodyPr/>
-                    <a:lstStyle/>
-                    <a:p>
-                      <a:endParaRPr lang="zh-TW" altLang="en-US" dirty="0"/>
-                    </a:p>
-                  </a:txBody>
-                  <a:tcPr>
-                    <a:lnT w="12700" cap="flat" cmpd="sng" algn="ctr">
-                      <a:solidFill>
-                        <a:schemeClr val="tx1"/>
-                      </a:solidFill>
-                      <a:prstDash val="solid"/>
-                      <a:round/>
-                      <a:headEnd type="none" w="med" len="med"/>
-                      <a:tailEnd type="none" w="med" len="med"/>
-                    </a:lnT>
-                  </a:tcPr>
-                </a:tc>
-                <a:tc hMerge="1">
-                  <a:txBody>
-                    <a:bodyPr/>
-                    <a:lstStyle/>
-                    <a:p>
-                      <a:endParaRPr lang="zh-TW" altLang="en-US"/>
-                    </a:p>
-                  </a:txBody>
-                  <a:tcPr/>
-                </a:tc>
-                <a:tc gridSpan="4">
-                  <a:txBody>
-                    <a:bodyPr/>
-                    <a:lstStyle/>
-                    <a:p>
-                      <a:pPr algn="ctr"/>
-                      <a:r>
-                        <a:rPr lang="en-US" altLang="zh-TW" dirty="0" smtClean="0"/>
-                        <a:t>X2(INPUT2)</a:t>
-                      </a:r>
-                      <a:endParaRPr lang="zh-TW" altLang="en-US" dirty="0"/>
-                    </a:p>
-                  </a:txBody>
-                  <a:tcPr>
-                    <a:lnL w="12700" cap="flat" cmpd="sng" algn="ctr">
-                      <a:solidFill>
-                        <a:schemeClr val="tx1"/>
-                      </a:solidFill>
-                      <a:prstDash val="solid"/>
-                      <a:round/>
-                      <a:headEnd type="none" w="med" len="med"/>
-                      <a:tailEnd type="none" w="med" len="med"/>
-                    </a:lnL>
-                    <a:lnT w="12700" cap="flat" cmpd="sng" algn="ctr">
-                      <a:solidFill>
-                        <a:schemeClr val="tx1"/>
-                      </a:solidFill>
-                      <a:prstDash val="solid"/>
-                      <a:round/>
-                      <a:headEnd type="none" w="med" len="med"/>
-                      <a:tailEnd type="none" w="med" len="med"/>
-                    </a:lnT>
-                  </a:tcPr>
-                </a:tc>
-                <a:tc hMerge="1">
-                  <a:txBody>
-                    <a:bodyPr/>
-                    <a:lstStyle/>
-                    <a:p>
-                      <a:endParaRPr lang="zh-TW" altLang="en-US"/>
-                    </a:p>
-                  </a:txBody>
-                  <a:tcPr/>
-                </a:tc>
-                <a:tc hMerge="1">
-                  <a:txBody>
-                    <a:bodyPr/>
-                    <a:lstStyle/>
-                    <a:p>
-                      <a:endParaRPr lang="zh-TW" altLang="en-US" dirty="0"/>
-                    </a:p>
-                  </a:txBody>
-                  <a:tcPr>
-                    <a:lnT w="12700" cap="flat" cmpd="sng" algn="ctr">
-                      <a:solidFill>
-                        <a:schemeClr val="tx1"/>
-                      </a:solidFill>
-                      <a:prstDash val="solid"/>
-                      <a:round/>
-                      <a:headEnd type="none" w="med" len="med"/>
-                      <a:tailEnd type="none" w="med" len="med"/>
-                    </a:lnT>
-                  </a:tcPr>
-                </a:tc>
-                <a:tc hMerge="1">
-                  <a:txBody>
-                    <a:bodyPr/>
-                    <a:lstStyle/>
-                    <a:p>
-                      <a:endParaRPr lang="zh-TW" altLang="en-US"/>
-                    </a:p>
-                  </a:txBody>
-                  <a:tcPr/>
-                </a:tc>
-              </a:tr>
-              <a:tr h="479203">
-                <a:tc>
-                  <a:txBody>
-                    <a:bodyPr/>
-                    <a:lstStyle/>
-                    <a:p>
-                      <a:pPr algn="ctr"/>
-                      <a:r>
-                        <a:rPr lang="en-US" altLang="zh-TW" dirty="0" smtClean="0"/>
-                        <a:t>c1</a:t>
-                      </a:r>
-                      <a:endParaRPr lang="zh-TW" altLang="en-US" dirty="0"/>
-                    </a:p>
-                  </a:txBody>
-                  <a:tcPr/>
-                </a:tc>
-                <a:tc>
-                  <a:txBody>
-                    <a:bodyPr/>
-                    <a:lstStyle/>
-                    <a:p>
-                      <a:pPr algn="ctr"/>
-                      <a:r>
-                        <a:rPr lang="en-US" altLang="zh-TW" dirty="0" smtClean="0">
+      <mc:AlternateContent xmlns:mc="http://schemas.openxmlformats.org/markup-compatibility/2006">
+        <mc:Choice xmlns:a14="http://schemas.microsoft.com/office/drawing/2010/main" Requires="a14">
+          <p:graphicFrame>
+            <p:nvGraphicFramePr>
+              <p:cNvPr id="5" name="表格 4"/>
+              <p:cNvGraphicFramePr>
+                <a:graphicFrameLocks noGrp="1"/>
+              </p:cNvGraphicFramePr>
+              <p:nvPr>
+                <p:extLst>
+                  <p:ext uri="{D42A27DB-BD31-4B8C-83A1-F6EECF244321}">
+                    <p14:modId xmlns:p14="http://schemas.microsoft.com/office/powerpoint/2010/main" val="3724378119"/>
+                  </p:ext>
+                </p:extLst>
+              </p:nvPr>
+            </p:nvGraphicFramePr>
+            <p:xfrm>
+              <a:off x="1162973" y="894318"/>
+              <a:ext cx="9658904" cy="1598486"/>
+            </p:xfrm>
+            <a:graphic>
+              <a:graphicData uri="http://schemas.openxmlformats.org/drawingml/2006/table">
+                <a:tbl>
+                  <a:tblPr firstRow="1" bandRow="1">
+                    <a:tableStyleId>{C083E6E3-FA7D-4D7B-A595-EF9225AFEA82}</a:tableStyleId>
+                  </a:tblPr>
+                  <a:tblGrid>
+                    <a:gridCol w="1207363"/>
+                    <a:gridCol w="1207363"/>
+                    <a:gridCol w="1207363"/>
+                    <a:gridCol w="1207363"/>
+                    <a:gridCol w="1207363"/>
+                    <a:gridCol w="1207363"/>
+                    <a:gridCol w="1207363"/>
+                    <a:gridCol w="1207363"/>
+                  </a:tblGrid>
+                  <a:tr h="479203">
+                    <a:tc gridSpan="4">
+                      <a:txBody>
+                        <a:bodyPr/>
+                        <a:lstStyle/>
+                        <a:p>
+                          <a:pPr algn="ctr"/>
+                          <a:r>
+                            <a:rPr lang="en-US" altLang="zh-TW" dirty="0" smtClean="0"/>
+                            <a:t>X1(INPUT1)</a:t>
+                          </a:r>
+                          <a:endParaRPr lang="zh-TW" altLang="en-US" dirty="0"/>
+                        </a:p>
+                      </a:txBody>
+                      <a:tcPr>
+                        <a:lnR w="12700" cap="flat" cmpd="sng" algn="ctr">
                           <a:solidFill>
-                            <a:schemeClr val="bg2">
-                              <a:lumMod val="50000"/>
-                            </a:schemeClr>
+                            <a:schemeClr val="tx1"/>
                           </a:solidFill>
-                        </a:rPr>
-                        <a:t>a1</a:t>
-                      </a:r>
-                      <a:endParaRPr lang="zh-TW" altLang="en-US" dirty="0">
-                        <a:solidFill>
-                          <a:schemeClr val="bg2">
-                            <a:lumMod val="50000"/>
-                          </a:schemeClr>
-                        </a:solidFill>
-                      </a:endParaRPr>
-                    </a:p>
-                  </a:txBody>
-                  <a:tcPr/>
-                </a:tc>
-                <a:tc>
-                  <a:txBody>
-                    <a:bodyPr/>
-                    <a:lstStyle/>
-                    <a:p>
-                      <a:pPr algn="ctr"/>
-                      <a:r>
-                        <a:rPr lang="en-US" altLang="zh-TW" dirty="0" smtClean="0"/>
-                        <a:t>c2</a:t>
-                      </a:r>
-                      <a:endParaRPr lang="zh-TW" altLang="en-US" dirty="0"/>
-                    </a:p>
-                  </a:txBody>
-                  <a:tcPr/>
-                </a:tc>
-                <a:tc>
-                  <a:txBody>
-                    <a:bodyPr/>
-                    <a:lstStyle/>
-                    <a:p>
-                      <a:pPr algn="ctr"/>
-                      <a:r>
-                        <a:rPr lang="en-US" altLang="zh-TW" dirty="0" smtClean="0">
+                          <a:prstDash val="solid"/>
+                          <a:round/>
+                          <a:headEnd type="none" w="med" len="med"/>
+                          <a:tailEnd type="none" w="med" len="med"/>
+                        </a:lnR>
+                        <a:lnT w="12700" cap="flat" cmpd="sng" algn="ctr">
                           <a:solidFill>
-                            <a:schemeClr val="bg2">
-                              <a:lumMod val="50000"/>
-                            </a:schemeClr>
+                            <a:schemeClr val="tx1"/>
                           </a:solidFill>
-                        </a:rPr>
-                        <a:t>a2</a:t>
-                      </a:r>
-                      <a:endParaRPr lang="zh-TW" altLang="en-US" dirty="0">
-                        <a:solidFill>
-                          <a:schemeClr val="bg2">
-                            <a:lumMod val="50000"/>
-                          </a:schemeClr>
-                        </a:solidFill>
-                      </a:endParaRPr>
-                    </a:p>
-                  </a:txBody>
-                  <a:tcPr>
-                    <a:lnR w="12700" cap="flat" cmpd="sng" algn="ctr">
-                      <a:solidFill>
-                        <a:schemeClr val="tx1"/>
-                      </a:solidFill>
-                      <a:prstDash val="solid"/>
-                      <a:round/>
-                      <a:headEnd type="none" w="med" len="med"/>
-                      <a:tailEnd type="none" w="med" len="med"/>
-                    </a:lnR>
-                  </a:tcPr>
-                </a:tc>
-                <a:tc>
-                  <a:txBody>
-                    <a:bodyPr/>
-                    <a:lstStyle/>
-                    <a:p>
-                      <a:pPr algn="ctr"/>
-                      <a:r>
-                        <a:rPr lang="en-US" altLang="zh-TW" dirty="0" smtClean="0"/>
-                        <a:t>c3</a:t>
-                      </a:r>
-                      <a:endParaRPr lang="zh-TW" altLang="en-US" dirty="0"/>
-                    </a:p>
-                  </a:txBody>
-                  <a:tcPr>
-                    <a:lnL w="12700" cap="flat" cmpd="sng" algn="ctr">
-                      <a:solidFill>
-                        <a:schemeClr val="tx1"/>
-                      </a:solidFill>
-                      <a:prstDash val="solid"/>
-                      <a:round/>
-                      <a:headEnd type="none" w="med" len="med"/>
-                      <a:tailEnd type="none" w="med" len="med"/>
-                    </a:lnL>
-                  </a:tcPr>
-                </a:tc>
-                <a:tc>
-                  <a:txBody>
-                    <a:bodyPr/>
-                    <a:lstStyle/>
-                    <a:p>
-                      <a:pPr algn="ctr"/>
-                      <a:r>
-                        <a:rPr lang="en-US" altLang="zh-TW" dirty="0" smtClean="0">
+                          <a:prstDash val="solid"/>
+                          <a:round/>
+                          <a:headEnd type="none" w="med" len="med"/>
+                          <a:tailEnd type="none" w="med" len="med"/>
+                        </a:lnT>
+                      </a:tcPr>
+                    </a:tc>
+                    <a:tc hMerge="1">
+                      <a:txBody>
+                        <a:bodyPr/>
+                        <a:lstStyle/>
+                        <a:p>
+                          <a:endParaRPr lang="zh-TW" altLang="en-US"/>
+                        </a:p>
+                      </a:txBody>
+                      <a:tcPr/>
+                    </a:tc>
+                    <a:tc hMerge="1">
+                      <a:txBody>
+                        <a:bodyPr/>
+                        <a:lstStyle/>
+                        <a:p>
+                          <a:endParaRPr lang="zh-TW" altLang="en-US" dirty="0"/>
+                        </a:p>
+                      </a:txBody>
+                      <a:tcPr>
+                        <a:lnT w="12700" cap="flat" cmpd="sng" algn="ctr">
                           <a:solidFill>
-                            <a:schemeClr val="bg2">
-                              <a:lumMod val="50000"/>
-                            </a:schemeClr>
+                            <a:schemeClr val="tx1"/>
                           </a:solidFill>
-                        </a:rPr>
-                        <a:t>a3</a:t>
-                      </a:r>
-                      <a:endParaRPr lang="zh-TW" altLang="en-US" dirty="0">
-                        <a:solidFill>
-                          <a:schemeClr val="bg2">
-                            <a:lumMod val="50000"/>
-                          </a:schemeClr>
-                        </a:solidFill>
-                      </a:endParaRPr>
-                    </a:p>
-                  </a:txBody>
-                  <a:tcPr/>
-                </a:tc>
-                <a:tc>
-                  <a:txBody>
-                    <a:bodyPr/>
-                    <a:lstStyle/>
-                    <a:p>
-                      <a:pPr algn="ctr"/>
-                      <a:r>
-                        <a:rPr lang="en-US" altLang="zh-TW" dirty="0" smtClean="0"/>
-                        <a:t>c4</a:t>
-                      </a:r>
-                      <a:endParaRPr lang="zh-TW" altLang="en-US" dirty="0"/>
-                    </a:p>
-                  </a:txBody>
-                  <a:tcPr/>
-                </a:tc>
-                <a:tc>
-                  <a:txBody>
-                    <a:bodyPr/>
-                    <a:lstStyle/>
-                    <a:p>
-                      <a:pPr algn="ctr"/>
-                      <a:r>
-                        <a:rPr lang="en-US" altLang="zh-TW" dirty="0" smtClean="0">
+                          <a:prstDash val="solid"/>
+                          <a:round/>
+                          <a:headEnd type="none" w="med" len="med"/>
+                          <a:tailEnd type="none" w="med" len="med"/>
+                        </a:lnT>
+                      </a:tcPr>
+                    </a:tc>
+                    <a:tc hMerge="1">
+                      <a:txBody>
+                        <a:bodyPr/>
+                        <a:lstStyle/>
+                        <a:p>
+                          <a:endParaRPr lang="zh-TW" altLang="en-US"/>
+                        </a:p>
+                      </a:txBody>
+                      <a:tcPr/>
+                    </a:tc>
+                    <a:tc gridSpan="4">
+                      <a:txBody>
+                        <a:bodyPr/>
+                        <a:lstStyle/>
+                        <a:p>
+                          <a:pPr algn="ctr"/>
+                          <a:r>
+                            <a:rPr lang="en-US" altLang="zh-TW" dirty="0" smtClean="0"/>
+                            <a:t>X2(INPUT2)</a:t>
+                          </a:r>
+                          <a:endParaRPr lang="zh-TW" altLang="en-US" dirty="0"/>
+                        </a:p>
+                      </a:txBody>
+                      <a:tcPr>
+                        <a:lnL w="12700" cap="flat" cmpd="sng" algn="ctr">
                           <a:solidFill>
-                            <a:schemeClr val="bg2">
-                              <a:lumMod val="50000"/>
-                            </a:schemeClr>
+                            <a:schemeClr val="tx1"/>
                           </a:solidFill>
-                        </a:rPr>
-                        <a:t>a4</a:t>
-                      </a:r>
-                      <a:endParaRPr lang="zh-TW" altLang="en-US" dirty="0">
-                        <a:solidFill>
-                          <a:schemeClr val="bg2">
-                            <a:lumMod val="50000"/>
-                          </a:schemeClr>
-                        </a:solidFill>
-                      </a:endParaRPr>
-                    </a:p>
-                  </a:txBody>
-                  <a:tcPr/>
-                </a:tc>
-              </a:tr>
-              <a:tr h="479203">
-                <a:tc>
-                  <a:txBody>
-                    <a:bodyPr/>
-                    <a:lstStyle/>
-                    <a:p>
-                      <a:pPr algn="ctr"/>
-                      <a:r>
-                        <a:rPr lang="en-US" altLang="zh-TW" dirty="0" smtClean="0"/>
-                        <a:t>12</a:t>
-                      </a:r>
-                      <a:endParaRPr lang="zh-TW" altLang="en-US" dirty="0"/>
-                    </a:p>
-                  </a:txBody>
-                  <a:tcPr>
-                    <a:lnB w="12700" cap="flat" cmpd="sng" algn="ctr">
-                      <a:noFill/>
-                      <a:prstDash val="solid"/>
-                      <a:round/>
-                      <a:headEnd type="none" w="med" len="med"/>
-                      <a:tailEnd type="none" w="med" len="med"/>
-                    </a:lnB>
-                  </a:tcPr>
-                </a:tc>
-                <a:tc>
-                  <a:txBody>
-                    <a:bodyPr/>
-                    <a:lstStyle/>
-                    <a:p>
-                      <a:pPr algn="ctr"/>
-                      <a:r>
-                        <a:rPr lang="en-US" altLang="zh-TW" dirty="0" smtClean="0">
+                          <a:prstDash val="solid"/>
+                          <a:round/>
+                          <a:headEnd type="none" w="med" len="med"/>
+                          <a:tailEnd type="none" w="med" len="med"/>
+                        </a:lnL>
+                        <a:lnT w="12700" cap="flat" cmpd="sng" algn="ctr">
                           <a:solidFill>
-                            <a:schemeClr val="bg2">
-                              <a:lumMod val="50000"/>
-                            </a:schemeClr>
+                            <a:schemeClr val="tx1"/>
                           </a:solidFill>
-                        </a:rPr>
-                        <a:t>10</a:t>
-                      </a:r>
-                      <a:endParaRPr lang="zh-TW" altLang="en-US" dirty="0">
-                        <a:solidFill>
-                          <a:schemeClr val="bg2">
-                            <a:lumMod val="50000"/>
-                          </a:schemeClr>
-                        </a:solidFill>
-                      </a:endParaRPr>
-                    </a:p>
-                  </a:txBody>
-                  <a:tcPr>
-                    <a:lnB w="12700" cap="flat" cmpd="sng" algn="ctr">
-                      <a:noFill/>
-                      <a:prstDash val="solid"/>
-                      <a:round/>
-                      <a:headEnd type="none" w="med" len="med"/>
-                      <a:tailEnd type="none" w="med" len="med"/>
-                    </a:lnB>
-                  </a:tcPr>
-                </a:tc>
-                <a:tc>
-                  <a:txBody>
-                    <a:bodyPr/>
-                    <a:lstStyle/>
-                    <a:p>
-                      <a:pPr algn="ctr"/>
-                      <a:r>
-                        <a:rPr lang="en-US" altLang="zh-TW" dirty="0" smtClean="0"/>
-                        <a:t>13</a:t>
-                      </a:r>
-                      <a:endParaRPr lang="zh-TW" altLang="en-US" dirty="0"/>
-                    </a:p>
-                  </a:txBody>
-                  <a:tcPr>
-                    <a:lnB w="12700" cap="flat" cmpd="sng" algn="ctr">
-                      <a:noFill/>
-                      <a:prstDash val="solid"/>
-                      <a:round/>
-                      <a:headEnd type="none" w="med" len="med"/>
-                      <a:tailEnd type="none" w="med" len="med"/>
-                    </a:lnB>
-                  </a:tcPr>
-                </a:tc>
-                <a:tc>
-                  <a:txBody>
-                    <a:bodyPr/>
-                    <a:lstStyle/>
-                    <a:p>
-                      <a:pPr algn="ctr"/>
-                      <a:r>
-                        <a:rPr lang="en-US" altLang="zh-TW" dirty="0" smtClean="0">
+                          <a:prstDash val="solid"/>
+                          <a:round/>
+                          <a:headEnd type="none" w="med" len="med"/>
+                          <a:tailEnd type="none" w="med" len="med"/>
+                        </a:lnT>
+                      </a:tcPr>
+                    </a:tc>
+                    <a:tc hMerge="1">
+                      <a:txBody>
+                        <a:bodyPr/>
+                        <a:lstStyle/>
+                        <a:p>
+                          <a:endParaRPr lang="zh-TW" altLang="en-US"/>
+                        </a:p>
+                      </a:txBody>
+                      <a:tcPr/>
+                    </a:tc>
+                    <a:tc hMerge="1">
+                      <a:txBody>
+                        <a:bodyPr/>
+                        <a:lstStyle/>
+                        <a:p>
+                          <a:endParaRPr lang="zh-TW" altLang="en-US" dirty="0"/>
+                        </a:p>
+                      </a:txBody>
+                      <a:tcPr>
+                        <a:lnT w="12700" cap="flat" cmpd="sng" algn="ctr">
                           <a:solidFill>
-                            <a:schemeClr val="bg2">
-                              <a:lumMod val="50000"/>
-                            </a:schemeClr>
+                            <a:schemeClr val="tx1"/>
                           </a:solidFill>
-                        </a:rPr>
-                        <a:t>10</a:t>
-                      </a:r>
-                      <a:endParaRPr lang="zh-TW" altLang="en-US" dirty="0">
-                        <a:solidFill>
-                          <a:schemeClr val="bg2">
-                            <a:lumMod val="50000"/>
-                          </a:schemeClr>
-                        </a:solidFill>
-                      </a:endParaRPr>
-                    </a:p>
-                  </a:txBody>
-                  <a:tcPr>
-                    <a:lnR w="12700" cap="flat" cmpd="sng" algn="ctr">
-                      <a:solidFill>
-                        <a:schemeClr val="tx1"/>
-                      </a:solidFill>
-                      <a:prstDash val="solid"/>
-                      <a:round/>
-                      <a:headEnd type="none" w="med" len="med"/>
-                      <a:tailEnd type="none" w="med" len="med"/>
-                    </a:lnR>
-                    <a:lnB w="12700" cap="flat" cmpd="sng" algn="ctr">
-                      <a:noFill/>
-                      <a:prstDash val="solid"/>
-                      <a:round/>
-                      <a:headEnd type="none" w="med" len="med"/>
-                      <a:tailEnd type="none" w="med" len="med"/>
-                    </a:lnB>
-                  </a:tcPr>
-                </a:tc>
-                <a:tc>
-                  <a:txBody>
-                    <a:bodyPr/>
-                    <a:lstStyle/>
-                    <a:p>
-                      <a:pPr algn="ctr"/>
-                      <a:r>
-                        <a:rPr lang="en-US" altLang="zh-TW" dirty="0" smtClean="0"/>
-                        <a:t>10</a:t>
-                      </a:r>
-                      <a:endParaRPr lang="zh-TW" altLang="en-US" dirty="0"/>
-                    </a:p>
-                  </a:txBody>
-                  <a:tcPr>
-                    <a:lnL w="12700" cap="flat" cmpd="sng" algn="ctr">
-                      <a:solidFill>
-                        <a:schemeClr val="tx1"/>
-                      </a:solidFill>
-                      <a:prstDash val="solid"/>
-                      <a:round/>
-                      <a:headEnd type="none" w="med" len="med"/>
-                      <a:tailEnd type="none" w="med" len="med"/>
-                    </a:lnL>
-                    <a:lnB w="12700" cap="flat" cmpd="sng" algn="ctr">
-                      <a:noFill/>
-                      <a:prstDash val="solid"/>
-                      <a:round/>
-                      <a:headEnd type="none" w="med" len="med"/>
-                      <a:tailEnd type="none" w="med" len="med"/>
-                    </a:lnB>
-                  </a:tcPr>
-                </a:tc>
-                <a:tc>
-                  <a:txBody>
-                    <a:bodyPr/>
-                    <a:lstStyle/>
-                    <a:p>
-                      <a:pPr algn="ctr"/>
-                      <a:r>
-                        <a:rPr lang="en-US" altLang="zh-TW" dirty="0" smtClean="0">
+                          <a:prstDash val="solid"/>
+                          <a:round/>
+                          <a:headEnd type="none" w="med" len="med"/>
+                          <a:tailEnd type="none" w="med" len="med"/>
+                        </a:lnT>
+                      </a:tcPr>
+                    </a:tc>
+                    <a:tc hMerge="1">
+                      <a:txBody>
+                        <a:bodyPr/>
+                        <a:lstStyle/>
+                        <a:p>
+                          <a:endParaRPr lang="zh-TW" altLang="en-US"/>
+                        </a:p>
+                      </a:txBody>
+                      <a:tcPr/>
+                    </a:tc>
+                  </a:tr>
+                  <a:tr h="479203">
+                    <a:tc>
+                      <a:txBody>
+                        <a:bodyPr/>
+                        <a:lstStyle/>
+                        <a:p>
+                          <a:pPr algn="ctr"/>
+                          <a:r>
+                            <a:rPr lang="en-US" altLang="zh-TW" dirty="0" smtClean="0"/>
+                            <a:t>c1</a:t>
+                          </a:r>
+                          <a:endParaRPr lang="zh-TW" altLang="en-US" dirty="0"/>
+                        </a:p>
+                      </a:txBody>
+                      <a:tcPr/>
+                    </a:tc>
+                    <a:tc>
+                      <a:txBody>
+                        <a:bodyPr/>
+                        <a:lstStyle/>
+                        <a:p>
+                          <a:pPr algn="ctr"/>
+                          <a14:m>
+                            <m:oMath xmlns:m="http://schemas.openxmlformats.org/officeDocument/2006/math">
+                              <m:r>
+                                <a:rPr lang="zh-TW" altLang="en-US" i="1" smtClean="0">
+                                  <a:solidFill>
+                                    <a:schemeClr val="bg2">
+                                      <a:lumMod val="50000"/>
+                                    </a:schemeClr>
+                                  </a:solidFill>
+                                  <a:latin typeface="Cambria Math" panose="02040503050406030204" pitchFamily="18" charset="0"/>
+                                </a:rPr>
+                                <m:t>𝜎</m:t>
+                              </m:r>
+                            </m:oMath>
+                          </a14:m>
+                          <a:r>
+                            <a:rPr lang="en-US" altLang="zh-TW" dirty="0" smtClean="0">
+                              <a:solidFill>
+                                <a:schemeClr val="bg2">
+                                  <a:lumMod val="50000"/>
+                                </a:schemeClr>
+                              </a:solidFill>
+                            </a:rPr>
+                            <a:t>1</a:t>
+                          </a:r>
+                          <a:endParaRPr lang="zh-TW" altLang="en-US" dirty="0">
+                            <a:solidFill>
+                              <a:schemeClr val="bg2">
+                                <a:lumMod val="50000"/>
+                              </a:schemeClr>
+                            </a:solidFill>
+                          </a:endParaRPr>
+                        </a:p>
+                      </a:txBody>
+                      <a:tcPr/>
+                    </a:tc>
+                    <a:tc>
+                      <a:txBody>
+                        <a:bodyPr/>
+                        <a:lstStyle/>
+                        <a:p>
+                          <a:pPr algn="ctr"/>
+                          <a:r>
+                            <a:rPr lang="en-US" altLang="zh-TW" dirty="0" smtClean="0"/>
+                            <a:t>c2</a:t>
+                          </a:r>
+                          <a:endParaRPr lang="zh-TW" altLang="en-US" dirty="0"/>
+                        </a:p>
+                      </a:txBody>
+                      <a:tcPr/>
+                    </a:tc>
+                    <a:tc>
+                      <a:txBody>
+                        <a:bodyPr/>
+                        <a:lstStyle/>
+                        <a:p>
+                          <a:pPr algn="ctr"/>
+                          <a14:m>
+                            <m:oMathPara xmlns:m="http://schemas.openxmlformats.org/officeDocument/2006/math">
+                              <m:oMathParaPr>
+                                <m:jc m:val="centerGroup"/>
+                              </m:oMathParaPr>
+                              <m:oMath xmlns:m="http://schemas.openxmlformats.org/officeDocument/2006/math">
+                                <m:r>
+                                  <a:rPr lang="zh-TW" altLang="en-US" i="1" smtClean="0">
+                                    <a:solidFill>
+                                      <a:schemeClr val="bg2">
+                                        <a:lumMod val="50000"/>
+                                      </a:schemeClr>
+                                    </a:solidFill>
+                                    <a:latin typeface="Cambria Math" panose="02040503050406030204" pitchFamily="18" charset="0"/>
+                                  </a:rPr>
+                                  <m:t>𝜎</m:t>
+                                </m:r>
+                                <m:r>
+                                  <a:rPr lang="en-US" altLang="zh-TW" b="0" i="0" smtClean="0">
+                                    <a:solidFill>
+                                      <a:schemeClr val="bg2">
+                                        <a:lumMod val="50000"/>
+                                      </a:schemeClr>
+                                    </a:solidFill>
+                                    <a:latin typeface="Cambria Math" panose="02040503050406030204" pitchFamily="18" charset="0"/>
+                                  </a:rPr>
+                                  <m:t>2</m:t>
+                                </m:r>
+                              </m:oMath>
+                            </m:oMathPara>
+                          </a14:m>
+                          <a:endParaRPr lang="zh-TW" altLang="en-US" dirty="0">
+                            <a:solidFill>
+                              <a:schemeClr val="bg2">
+                                <a:lumMod val="50000"/>
+                              </a:schemeClr>
+                            </a:solidFill>
+                          </a:endParaRPr>
+                        </a:p>
+                      </a:txBody>
+                      <a:tcPr>
+                        <a:lnR w="12700" cap="flat" cmpd="sng" algn="ctr">
                           <a:solidFill>
-                            <a:schemeClr val="bg2">
-                              <a:lumMod val="50000"/>
-                            </a:schemeClr>
+                            <a:schemeClr val="tx1"/>
                           </a:solidFill>
-                        </a:rPr>
-                        <a:t>10</a:t>
-                      </a:r>
-                      <a:endParaRPr lang="zh-TW" altLang="en-US" dirty="0">
-                        <a:solidFill>
-                          <a:schemeClr val="bg2">
-                            <a:lumMod val="50000"/>
-                          </a:schemeClr>
-                        </a:solidFill>
-                      </a:endParaRPr>
-                    </a:p>
-                  </a:txBody>
-                  <a:tcPr>
-                    <a:lnB w="12700" cap="flat" cmpd="sng" algn="ctr">
-                      <a:noFill/>
-                      <a:prstDash val="solid"/>
-                      <a:round/>
-                      <a:headEnd type="none" w="med" len="med"/>
-                      <a:tailEnd type="none" w="med" len="med"/>
-                    </a:lnB>
-                  </a:tcPr>
-                </a:tc>
-                <a:tc>
-                  <a:txBody>
-                    <a:bodyPr/>
-                    <a:lstStyle/>
-                    <a:p>
-                      <a:pPr algn="ctr"/>
-                      <a:r>
-                        <a:rPr lang="en-US" altLang="zh-TW" dirty="0" smtClean="0"/>
-                        <a:t>14</a:t>
-                      </a:r>
-                      <a:endParaRPr lang="zh-TW" altLang="en-US" dirty="0"/>
-                    </a:p>
-                  </a:txBody>
-                  <a:tcPr>
-                    <a:lnB w="12700" cap="flat" cmpd="sng" algn="ctr">
-                      <a:noFill/>
-                      <a:prstDash val="solid"/>
-                      <a:round/>
-                      <a:headEnd type="none" w="med" len="med"/>
-                      <a:tailEnd type="none" w="med" len="med"/>
-                    </a:lnB>
-                  </a:tcPr>
-                </a:tc>
-                <a:tc>
-                  <a:txBody>
-                    <a:bodyPr/>
-                    <a:lstStyle/>
-                    <a:p>
-                      <a:pPr algn="ctr"/>
-                      <a:r>
-                        <a:rPr lang="en-US" altLang="zh-TW" dirty="0" smtClean="0">
+                          <a:prstDash val="solid"/>
+                          <a:round/>
+                          <a:headEnd type="none" w="med" len="med"/>
+                          <a:tailEnd type="none" w="med" len="med"/>
+                        </a:lnR>
+                      </a:tcPr>
+                    </a:tc>
+                    <a:tc>
+                      <a:txBody>
+                        <a:bodyPr/>
+                        <a:lstStyle/>
+                        <a:p>
+                          <a:pPr algn="ctr"/>
+                          <a:r>
+                            <a:rPr lang="en-US" altLang="zh-TW" dirty="0" smtClean="0"/>
+                            <a:t>c3</a:t>
+                          </a:r>
+                          <a:endParaRPr lang="zh-TW" altLang="en-US" dirty="0"/>
+                        </a:p>
+                      </a:txBody>
+                      <a:tcPr>
+                        <a:lnL w="12700" cap="flat" cmpd="sng" algn="ctr">
                           <a:solidFill>
-                            <a:schemeClr val="bg2">
-                              <a:lumMod val="50000"/>
-                            </a:schemeClr>
+                            <a:schemeClr val="tx1"/>
                           </a:solidFill>
-                        </a:rPr>
-                        <a:t>10</a:t>
-                      </a:r>
-                      <a:endParaRPr lang="zh-TW" altLang="en-US" dirty="0">
-                        <a:solidFill>
-                          <a:schemeClr val="bg2">
-                            <a:lumMod val="50000"/>
-                          </a:schemeClr>
-                        </a:solidFill>
-                      </a:endParaRPr>
-                    </a:p>
-                  </a:txBody>
-                  <a:tcPr>
-                    <a:lnB w="12700" cap="flat" cmpd="sng" algn="ctr">
-                      <a:noFill/>
-                      <a:prstDash val="solid"/>
-                      <a:round/>
-                      <a:headEnd type="none" w="med" len="med"/>
-                      <a:tailEnd type="none" w="med" len="med"/>
-                    </a:lnB>
-                  </a:tcPr>
-                </a:tc>
-              </a:tr>
-            </a:tbl>
-          </a:graphicData>
-        </a:graphic>
-      </p:graphicFrame>
+                          <a:prstDash val="solid"/>
+                          <a:round/>
+                          <a:headEnd type="none" w="med" len="med"/>
+                          <a:tailEnd type="none" w="med" len="med"/>
+                        </a:lnL>
+                      </a:tcPr>
+                    </a:tc>
+                    <a:tc>
+                      <a:txBody>
+                        <a:bodyPr/>
+                        <a:lstStyle/>
+                        <a:p>
+                          <a:pPr algn="ctr"/>
+                          <a14:m>
+                            <m:oMathPara xmlns:m="http://schemas.openxmlformats.org/officeDocument/2006/math">
+                              <m:oMathParaPr>
+                                <m:jc m:val="centerGroup"/>
+                              </m:oMathParaPr>
+                              <m:oMath xmlns:m="http://schemas.openxmlformats.org/officeDocument/2006/math">
+                                <m:r>
+                                  <a:rPr lang="zh-TW" altLang="en-US" i="1" smtClean="0">
+                                    <a:solidFill>
+                                      <a:schemeClr val="bg2">
+                                        <a:lumMod val="50000"/>
+                                      </a:schemeClr>
+                                    </a:solidFill>
+                                    <a:latin typeface="Cambria Math" panose="02040503050406030204" pitchFamily="18" charset="0"/>
+                                  </a:rPr>
+                                  <m:t>𝜎</m:t>
+                                </m:r>
+                                <m:r>
+                                  <a:rPr lang="en-US" altLang="zh-TW" b="0" i="0" smtClean="0">
+                                    <a:solidFill>
+                                      <a:schemeClr val="bg2">
+                                        <a:lumMod val="50000"/>
+                                      </a:schemeClr>
+                                    </a:solidFill>
+                                    <a:latin typeface="Cambria Math" panose="02040503050406030204" pitchFamily="18" charset="0"/>
+                                  </a:rPr>
+                                  <m:t>3</m:t>
+                                </m:r>
+                              </m:oMath>
+                            </m:oMathPara>
+                          </a14:m>
+                          <a:endParaRPr lang="zh-TW" altLang="en-US" dirty="0">
+                            <a:solidFill>
+                              <a:schemeClr val="bg2">
+                                <a:lumMod val="50000"/>
+                              </a:schemeClr>
+                            </a:solidFill>
+                          </a:endParaRPr>
+                        </a:p>
+                      </a:txBody>
+                      <a:tcPr/>
+                    </a:tc>
+                    <a:tc>
+                      <a:txBody>
+                        <a:bodyPr/>
+                        <a:lstStyle/>
+                        <a:p>
+                          <a:pPr algn="ctr"/>
+                          <a:r>
+                            <a:rPr lang="en-US" altLang="zh-TW" dirty="0" smtClean="0"/>
+                            <a:t>c4</a:t>
+                          </a:r>
+                          <a:endParaRPr lang="zh-TW" altLang="en-US" dirty="0"/>
+                        </a:p>
+                      </a:txBody>
+                      <a:tcPr/>
+                    </a:tc>
+                    <a:tc>
+                      <a:txBody>
+                        <a:bodyPr/>
+                        <a:lstStyle/>
+                        <a:p>
+                          <a:pPr algn="ctr"/>
+                          <a14:m>
+                            <m:oMathPara xmlns:m="http://schemas.openxmlformats.org/officeDocument/2006/math">
+                              <m:oMathParaPr>
+                                <m:jc m:val="centerGroup"/>
+                              </m:oMathParaPr>
+                              <m:oMath xmlns:m="http://schemas.openxmlformats.org/officeDocument/2006/math">
+                                <m:r>
+                                  <a:rPr lang="zh-TW" altLang="en-US" i="1" smtClean="0">
+                                    <a:solidFill>
+                                      <a:schemeClr val="bg2">
+                                        <a:lumMod val="50000"/>
+                                      </a:schemeClr>
+                                    </a:solidFill>
+                                    <a:latin typeface="Cambria Math" panose="02040503050406030204" pitchFamily="18" charset="0"/>
+                                  </a:rPr>
+                                  <m:t>𝜎</m:t>
+                                </m:r>
+                                <m:r>
+                                  <a:rPr lang="en-US" altLang="zh-TW" b="0" i="0" smtClean="0">
+                                    <a:solidFill>
+                                      <a:schemeClr val="bg2">
+                                        <a:lumMod val="50000"/>
+                                      </a:schemeClr>
+                                    </a:solidFill>
+                                    <a:latin typeface="Cambria Math" panose="02040503050406030204" pitchFamily="18" charset="0"/>
+                                  </a:rPr>
+                                  <m:t>4</m:t>
+                                </m:r>
+                              </m:oMath>
+                            </m:oMathPara>
+                          </a14:m>
+                          <a:endParaRPr lang="zh-TW" altLang="en-US" dirty="0">
+                            <a:solidFill>
+                              <a:schemeClr val="bg2">
+                                <a:lumMod val="50000"/>
+                              </a:schemeClr>
+                            </a:solidFill>
+                          </a:endParaRPr>
+                        </a:p>
+                      </a:txBody>
+                      <a:tcPr/>
+                    </a:tc>
+                  </a:tr>
+                  <a:tr h="479203">
+                    <a:tc>
+                      <a:txBody>
+                        <a:bodyPr/>
+                        <a:lstStyle/>
+                        <a:p>
+                          <a:pPr algn="ctr"/>
+                          <a:r>
+                            <a:rPr lang="en-US" altLang="zh-TW" dirty="0" smtClean="0"/>
+                            <a:t>Rand in[0,10]</a:t>
+                          </a:r>
+                          <a:endParaRPr lang="zh-TW" altLang="en-US" dirty="0"/>
+                        </a:p>
+                      </a:txBody>
+                      <a:tcPr>
+                        <a:lnB w="12700" cap="flat" cmpd="sng" algn="ctr">
+                          <a:noFill/>
+                          <a:prstDash val="solid"/>
+                          <a:round/>
+                          <a:headEnd type="none" w="med" len="med"/>
+                          <a:tailEnd type="none" w="med" len="med"/>
+                        </a:lnB>
+                      </a:tcPr>
+                    </a:tc>
+                    <a:tc>
+                      <a:txBody>
+                        <a:bodyPr/>
+                        <a:lstStyle/>
+                        <a:p>
+                          <a:pPr marL="0" marR="0" indent="0" algn="ctr" defTabSz="914400" rtl="0" eaLnBrk="1" fontAlgn="auto" latinLnBrk="0" hangingPunct="1">
+                            <a:lnSpc>
+                              <a:spcPct val="100000"/>
+                            </a:lnSpc>
+                            <a:spcBef>
+                              <a:spcPts val="0"/>
+                            </a:spcBef>
+                            <a:spcAft>
+                              <a:spcPts val="0"/>
+                            </a:spcAft>
+                            <a:buClrTx/>
+                            <a:buSzTx/>
+                            <a:buFontTx/>
+                            <a:buNone/>
+                            <a:tabLst/>
+                            <a:defRPr/>
+                          </a:pPr>
+                          <a:r>
+                            <a:rPr lang="en-US" altLang="zh-TW" dirty="0" smtClean="0"/>
+                            <a:t>Rand in[0,10]</a:t>
+                          </a:r>
+                          <a:endParaRPr lang="zh-TW" altLang="en-US" dirty="0" smtClean="0"/>
+                        </a:p>
+                      </a:txBody>
+                      <a:tcPr>
+                        <a:lnB w="12700" cap="flat" cmpd="sng" algn="ctr">
+                          <a:noFill/>
+                          <a:prstDash val="solid"/>
+                          <a:round/>
+                          <a:headEnd type="none" w="med" len="med"/>
+                          <a:tailEnd type="none" w="med" len="med"/>
+                        </a:lnB>
+                      </a:tcPr>
+                    </a:tc>
+                    <a:tc>
+                      <a:txBody>
+                        <a:bodyPr/>
+                        <a:lstStyle/>
+                        <a:p>
+                          <a:pPr algn="ctr"/>
+                          <a:r>
+                            <a:rPr lang="en-US" altLang="zh-TW" dirty="0" smtClean="0"/>
+                            <a:t>Rand in[0,10]</a:t>
+                          </a:r>
+                          <a:endParaRPr lang="zh-TW" altLang="en-US" dirty="0"/>
+                        </a:p>
+                      </a:txBody>
+                      <a:tcPr>
+                        <a:lnB w="12700" cap="flat" cmpd="sng" algn="ctr">
+                          <a:noFill/>
+                          <a:prstDash val="solid"/>
+                          <a:round/>
+                          <a:headEnd type="none" w="med" len="med"/>
+                          <a:tailEnd type="none" w="med" len="med"/>
+                        </a:lnB>
+                      </a:tcPr>
+                    </a:tc>
+                    <a:tc>
+                      <a:txBody>
+                        <a:bodyPr/>
+                        <a:lstStyle/>
+                        <a:p>
+                          <a:pPr algn="ctr"/>
+                          <a:r>
+                            <a:rPr lang="en-US" altLang="zh-TW" dirty="0" smtClean="0"/>
+                            <a:t>Rand in[0,10]</a:t>
+                          </a:r>
+                          <a:endParaRPr lang="zh-TW" altLang="en-US" dirty="0"/>
+                        </a:p>
+                      </a:txBody>
+                      <a:tcPr>
+                        <a:lnR w="12700" cap="flat" cmpd="sng" algn="ctr">
+                          <a:solidFill>
+                            <a:schemeClr val="tx1"/>
+                          </a:solidFill>
+                          <a:prstDash val="solid"/>
+                          <a:round/>
+                          <a:headEnd type="none" w="med" len="med"/>
+                          <a:tailEnd type="none" w="med" len="med"/>
+                        </a:lnR>
+                        <a:lnB w="12700" cap="flat" cmpd="sng" algn="ctr">
+                          <a:noFill/>
+                          <a:prstDash val="solid"/>
+                          <a:round/>
+                          <a:headEnd type="none" w="med" len="med"/>
+                          <a:tailEnd type="none" w="med" len="med"/>
+                        </a:lnB>
+                      </a:tcPr>
+                    </a:tc>
+                    <a:tc>
+                      <a:txBody>
+                        <a:bodyPr/>
+                        <a:lstStyle/>
+                        <a:p>
+                          <a:pPr algn="ctr"/>
+                          <a:r>
+                            <a:rPr lang="en-US" altLang="zh-TW" smtClean="0"/>
+                            <a:t>Rand in[0,10]</a:t>
+                          </a:r>
+                          <a:endParaRPr lang="zh-TW" altLang="en-US" dirty="0"/>
+                        </a:p>
+                      </a:txBody>
+                      <a:tcPr>
+                        <a:lnL w="12700" cap="flat" cmpd="sng" algn="ctr">
+                          <a:solidFill>
+                            <a:schemeClr val="tx1"/>
+                          </a:solidFill>
+                          <a:prstDash val="solid"/>
+                          <a:round/>
+                          <a:headEnd type="none" w="med" len="med"/>
+                          <a:tailEnd type="none" w="med" len="med"/>
+                        </a:lnL>
+                        <a:lnB w="12700" cap="flat" cmpd="sng" algn="ctr">
+                          <a:noFill/>
+                          <a:prstDash val="solid"/>
+                          <a:round/>
+                          <a:headEnd type="none" w="med" len="med"/>
+                          <a:tailEnd type="none" w="med" len="med"/>
+                        </a:lnB>
+                      </a:tcPr>
+                    </a:tc>
+                    <a:tc>
+                      <a:txBody>
+                        <a:bodyPr/>
+                        <a:lstStyle/>
+                        <a:p>
+                          <a:pPr algn="ctr"/>
+                          <a:r>
+                            <a:rPr lang="en-US" altLang="zh-TW" dirty="0" smtClean="0"/>
+                            <a:t>Rand in[0,10]</a:t>
+                          </a:r>
+                          <a:endParaRPr lang="zh-TW" altLang="en-US" dirty="0"/>
+                        </a:p>
+                      </a:txBody>
+                      <a:tcPr>
+                        <a:lnB w="12700" cap="flat" cmpd="sng" algn="ctr">
+                          <a:noFill/>
+                          <a:prstDash val="solid"/>
+                          <a:round/>
+                          <a:headEnd type="none" w="med" len="med"/>
+                          <a:tailEnd type="none" w="med" len="med"/>
+                        </a:lnB>
+                      </a:tcPr>
+                    </a:tc>
+                    <a:tc>
+                      <a:txBody>
+                        <a:bodyPr/>
+                        <a:lstStyle/>
+                        <a:p>
+                          <a:pPr algn="ctr"/>
+                          <a:r>
+                            <a:rPr lang="en-US" altLang="zh-TW" smtClean="0"/>
+                            <a:t>Rand in[0,10]</a:t>
+                          </a:r>
+                          <a:endParaRPr lang="zh-TW" altLang="en-US" dirty="0"/>
+                        </a:p>
+                      </a:txBody>
+                      <a:tcPr>
+                        <a:lnB w="12700" cap="flat" cmpd="sng" algn="ctr">
+                          <a:noFill/>
+                          <a:prstDash val="solid"/>
+                          <a:round/>
+                          <a:headEnd type="none" w="med" len="med"/>
+                          <a:tailEnd type="none" w="med" len="med"/>
+                        </a:lnB>
+                      </a:tcPr>
+                    </a:tc>
+                    <a:tc>
+                      <a:txBody>
+                        <a:bodyPr/>
+                        <a:lstStyle/>
+                        <a:p>
+                          <a:pPr algn="ctr"/>
+                          <a:r>
+                            <a:rPr lang="en-US" altLang="zh-TW" dirty="0" smtClean="0"/>
+                            <a:t>Rand in[0,10]</a:t>
+                          </a:r>
+                          <a:endParaRPr lang="zh-TW" altLang="en-US" dirty="0"/>
+                        </a:p>
+                      </a:txBody>
+                      <a:tcPr>
+                        <a:lnB w="12700" cap="flat" cmpd="sng" algn="ctr">
+                          <a:noFill/>
+                          <a:prstDash val="solid"/>
+                          <a:round/>
+                          <a:headEnd type="none" w="med" len="med"/>
+                          <a:tailEnd type="none" w="med" len="med"/>
+                        </a:lnB>
+                      </a:tcPr>
+                    </a:tc>
+                  </a:tr>
+                </a:tbl>
+              </a:graphicData>
+            </a:graphic>
+          </p:graphicFrame>
+        </mc:Choice>
+        <mc:Fallback>
+          <p:graphicFrame>
+            <p:nvGraphicFramePr>
+              <p:cNvPr id="5" name="表格 4"/>
+              <p:cNvGraphicFramePr>
+                <a:graphicFrameLocks noGrp="1"/>
+              </p:cNvGraphicFramePr>
+              <p:nvPr>
+                <p:extLst>
+                  <p:ext uri="{D42A27DB-BD31-4B8C-83A1-F6EECF244321}">
+                    <p14:modId xmlns:p14="http://schemas.microsoft.com/office/powerpoint/2010/main" val="3724378119"/>
+                  </p:ext>
+                </p:extLst>
+              </p:nvPr>
+            </p:nvGraphicFramePr>
+            <p:xfrm>
+              <a:off x="1162973" y="894318"/>
+              <a:ext cx="9658904" cy="1598486"/>
+            </p:xfrm>
+            <a:graphic>
+              <a:graphicData uri="http://schemas.openxmlformats.org/drawingml/2006/table">
+                <a:tbl>
+                  <a:tblPr firstRow="1" bandRow="1">
+                    <a:tableStyleId>{C083E6E3-FA7D-4D7B-A595-EF9225AFEA82}</a:tableStyleId>
+                  </a:tblPr>
+                  <a:tblGrid>
+                    <a:gridCol w="1207363"/>
+                    <a:gridCol w="1207363"/>
+                    <a:gridCol w="1207363"/>
+                    <a:gridCol w="1207363"/>
+                    <a:gridCol w="1207363"/>
+                    <a:gridCol w="1207363"/>
+                    <a:gridCol w="1207363"/>
+                    <a:gridCol w="1207363"/>
+                  </a:tblGrid>
+                  <a:tr h="479203">
+                    <a:tc gridSpan="4">
+                      <a:txBody>
+                        <a:bodyPr/>
+                        <a:lstStyle/>
+                        <a:p>
+                          <a:pPr algn="ctr"/>
+                          <a:r>
+                            <a:rPr lang="en-US" altLang="zh-TW" dirty="0" smtClean="0"/>
+                            <a:t>X1(INPUT1)</a:t>
+                          </a:r>
+                          <a:endParaRPr lang="zh-TW" altLang="en-US" dirty="0"/>
+                        </a:p>
+                      </a:txBody>
+                      <a:tcPr>
+                        <a:lnR w="12700" cap="flat" cmpd="sng" algn="ctr">
+                          <a:solidFill>
+                            <a:schemeClr val="tx1"/>
+                          </a:solidFill>
+                          <a:prstDash val="solid"/>
+                          <a:round/>
+                          <a:headEnd type="none" w="med" len="med"/>
+                          <a:tailEnd type="none" w="med" len="med"/>
+                        </a:lnR>
+                        <a:lnT w="12700" cap="flat" cmpd="sng" algn="ctr">
+                          <a:solidFill>
+                            <a:schemeClr val="tx1"/>
+                          </a:solidFill>
+                          <a:prstDash val="solid"/>
+                          <a:round/>
+                          <a:headEnd type="none" w="med" len="med"/>
+                          <a:tailEnd type="none" w="med" len="med"/>
+                        </a:lnT>
+                      </a:tcPr>
+                    </a:tc>
+                    <a:tc hMerge="1">
+                      <a:txBody>
+                        <a:bodyPr/>
+                        <a:lstStyle/>
+                        <a:p>
+                          <a:endParaRPr lang="zh-TW" altLang="en-US"/>
+                        </a:p>
+                      </a:txBody>
+                      <a:tcPr/>
+                    </a:tc>
+                    <a:tc hMerge="1">
+                      <a:txBody>
+                        <a:bodyPr/>
+                        <a:lstStyle/>
+                        <a:p>
+                          <a:endParaRPr lang="zh-TW" altLang="en-US" dirty="0"/>
+                        </a:p>
+                      </a:txBody>
+                      <a:tcPr>
+                        <a:lnT w="12700" cap="flat" cmpd="sng" algn="ctr">
+                          <a:solidFill>
+                            <a:schemeClr val="tx1"/>
+                          </a:solidFill>
+                          <a:prstDash val="solid"/>
+                          <a:round/>
+                          <a:headEnd type="none" w="med" len="med"/>
+                          <a:tailEnd type="none" w="med" len="med"/>
+                        </a:lnT>
+                      </a:tcPr>
+                    </a:tc>
+                    <a:tc hMerge="1">
+                      <a:txBody>
+                        <a:bodyPr/>
+                        <a:lstStyle/>
+                        <a:p>
+                          <a:endParaRPr lang="zh-TW" altLang="en-US"/>
+                        </a:p>
+                      </a:txBody>
+                      <a:tcPr/>
+                    </a:tc>
+                    <a:tc gridSpan="4">
+                      <a:txBody>
+                        <a:bodyPr/>
+                        <a:lstStyle/>
+                        <a:p>
+                          <a:pPr algn="ctr"/>
+                          <a:r>
+                            <a:rPr lang="en-US" altLang="zh-TW" dirty="0" smtClean="0"/>
+                            <a:t>X2(INPUT2)</a:t>
+                          </a:r>
+                          <a:endParaRPr lang="zh-TW" altLang="en-US" dirty="0"/>
+                        </a:p>
+                      </a:txBody>
+                      <a:tcPr>
+                        <a:lnL w="12700" cap="flat" cmpd="sng" algn="ctr">
+                          <a:solidFill>
+                            <a:schemeClr val="tx1"/>
+                          </a:solidFill>
+                          <a:prstDash val="solid"/>
+                          <a:round/>
+                          <a:headEnd type="none" w="med" len="med"/>
+                          <a:tailEnd type="none" w="med" len="med"/>
+                        </a:lnL>
+                        <a:lnT w="12700" cap="flat" cmpd="sng" algn="ctr">
+                          <a:solidFill>
+                            <a:schemeClr val="tx1"/>
+                          </a:solidFill>
+                          <a:prstDash val="solid"/>
+                          <a:round/>
+                          <a:headEnd type="none" w="med" len="med"/>
+                          <a:tailEnd type="none" w="med" len="med"/>
+                        </a:lnT>
+                      </a:tcPr>
+                    </a:tc>
+                    <a:tc hMerge="1">
+                      <a:txBody>
+                        <a:bodyPr/>
+                        <a:lstStyle/>
+                        <a:p>
+                          <a:endParaRPr lang="zh-TW" altLang="en-US"/>
+                        </a:p>
+                      </a:txBody>
+                      <a:tcPr/>
+                    </a:tc>
+                    <a:tc hMerge="1">
+                      <a:txBody>
+                        <a:bodyPr/>
+                        <a:lstStyle/>
+                        <a:p>
+                          <a:endParaRPr lang="zh-TW" altLang="en-US" dirty="0"/>
+                        </a:p>
+                      </a:txBody>
+                      <a:tcPr>
+                        <a:lnT w="12700" cap="flat" cmpd="sng" algn="ctr">
+                          <a:solidFill>
+                            <a:schemeClr val="tx1"/>
+                          </a:solidFill>
+                          <a:prstDash val="solid"/>
+                          <a:round/>
+                          <a:headEnd type="none" w="med" len="med"/>
+                          <a:tailEnd type="none" w="med" len="med"/>
+                        </a:lnT>
+                      </a:tcPr>
+                    </a:tc>
+                    <a:tc hMerge="1">
+                      <a:txBody>
+                        <a:bodyPr/>
+                        <a:lstStyle/>
+                        <a:p>
+                          <a:endParaRPr lang="zh-TW" altLang="en-US"/>
+                        </a:p>
+                      </a:txBody>
+                      <a:tcPr/>
+                    </a:tc>
+                  </a:tr>
+                  <a:tr h="479203">
+                    <a:tc>
+                      <a:txBody>
+                        <a:bodyPr/>
+                        <a:lstStyle/>
+                        <a:p>
+                          <a:pPr algn="ctr"/>
+                          <a:r>
+                            <a:rPr lang="en-US" altLang="zh-TW" dirty="0" smtClean="0"/>
+                            <a:t>c1</a:t>
+                          </a:r>
+                          <a:endParaRPr lang="zh-TW" altLang="en-US" dirty="0"/>
+                        </a:p>
+                      </a:txBody>
+                      <a:tcPr/>
+                    </a:tc>
+                    <a:tc>
+                      <a:txBody>
+                        <a:bodyPr/>
+                        <a:lstStyle/>
+                        <a:p>
+                          <a:endParaRPr lang="zh-TW"/>
+                        </a:p>
+                      </a:txBody>
+                      <a:tcPr>
+                        <a:blipFill rotWithShape="0">
+                          <a:blip r:embed="rId2"/>
+                          <a:stretch>
+                            <a:fillRect l="-99497" t="-106329" r="-597990" b="-153165"/>
+                          </a:stretch>
+                        </a:blipFill>
+                      </a:tcPr>
+                    </a:tc>
+                    <a:tc>
+                      <a:txBody>
+                        <a:bodyPr/>
+                        <a:lstStyle/>
+                        <a:p>
+                          <a:pPr algn="ctr"/>
+                          <a:r>
+                            <a:rPr lang="en-US" altLang="zh-TW" dirty="0" smtClean="0"/>
+                            <a:t>c2</a:t>
+                          </a:r>
+                          <a:endParaRPr lang="zh-TW" altLang="en-US" dirty="0"/>
+                        </a:p>
+                      </a:txBody>
+                      <a:tcPr/>
+                    </a:tc>
+                    <a:tc>
+                      <a:txBody>
+                        <a:bodyPr/>
+                        <a:lstStyle/>
+                        <a:p>
+                          <a:endParaRPr lang="zh-TW"/>
+                        </a:p>
+                      </a:txBody>
+                      <a:tcPr>
+                        <a:lnR w="12700" cap="flat" cmpd="sng" algn="ctr">
+                          <a:solidFill>
+                            <a:schemeClr val="tx1"/>
+                          </a:solidFill>
+                          <a:prstDash val="solid"/>
+                          <a:round/>
+                          <a:headEnd type="none" w="med" len="med"/>
+                          <a:tailEnd type="none" w="med" len="med"/>
+                        </a:lnR>
+                        <a:blipFill rotWithShape="0">
+                          <a:blip r:embed="rId2"/>
+                          <a:stretch>
+                            <a:fillRect l="-300505" t="-106329" r="-401010" b="-153165"/>
+                          </a:stretch>
+                        </a:blipFill>
+                      </a:tcPr>
+                    </a:tc>
+                    <a:tc>
+                      <a:txBody>
+                        <a:bodyPr/>
+                        <a:lstStyle/>
+                        <a:p>
+                          <a:pPr algn="ctr"/>
+                          <a:r>
+                            <a:rPr lang="en-US" altLang="zh-TW" dirty="0" smtClean="0"/>
+                            <a:t>c3</a:t>
+                          </a:r>
+                          <a:endParaRPr lang="zh-TW" altLang="en-US" dirty="0"/>
+                        </a:p>
+                      </a:txBody>
+                      <a:tcPr>
+                        <a:lnL w="12700" cap="flat" cmpd="sng" algn="ctr">
+                          <a:solidFill>
+                            <a:schemeClr val="tx1"/>
+                          </a:solidFill>
+                          <a:prstDash val="solid"/>
+                          <a:round/>
+                          <a:headEnd type="none" w="med" len="med"/>
+                          <a:tailEnd type="none" w="med" len="med"/>
+                        </a:lnL>
+                      </a:tcPr>
+                    </a:tc>
+                    <a:tc>
+                      <a:txBody>
+                        <a:bodyPr/>
+                        <a:lstStyle/>
+                        <a:p>
+                          <a:endParaRPr lang="zh-TW"/>
+                        </a:p>
+                      </a:txBody>
+                      <a:tcPr>
+                        <a:blipFill rotWithShape="0">
+                          <a:blip r:embed="rId2"/>
+                          <a:stretch>
+                            <a:fillRect l="-497990" t="-106329" r="-199497" b="-153165"/>
+                          </a:stretch>
+                        </a:blipFill>
+                      </a:tcPr>
+                    </a:tc>
+                    <a:tc>
+                      <a:txBody>
+                        <a:bodyPr/>
+                        <a:lstStyle/>
+                        <a:p>
+                          <a:pPr algn="ctr"/>
+                          <a:r>
+                            <a:rPr lang="en-US" altLang="zh-TW" dirty="0" smtClean="0"/>
+                            <a:t>c4</a:t>
+                          </a:r>
+                          <a:endParaRPr lang="zh-TW" altLang="en-US" dirty="0"/>
+                        </a:p>
+                      </a:txBody>
+                      <a:tcPr/>
+                    </a:tc>
+                    <a:tc>
+                      <a:txBody>
+                        <a:bodyPr/>
+                        <a:lstStyle/>
+                        <a:p>
+                          <a:endParaRPr lang="zh-TW"/>
+                        </a:p>
+                      </a:txBody>
+                      <a:tcPr>
+                        <a:blipFill rotWithShape="0">
+                          <a:blip r:embed="rId2"/>
+                          <a:stretch>
+                            <a:fillRect l="-701010" t="-106329" r="-505" b="-153165"/>
+                          </a:stretch>
+                        </a:blipFill>
+                      </a:tcPr>
+                    </a:tc>
+                  </a:tr>
+                  <a:tr h="640080">
+                    <a:tc>
+                      <a:txBody>
+                        <a:bodyPr/>
+                        <a:lstStyle/>
+                        <a:p>
+                          <a:pPr algn="ctr"/>
+                          <a:r>
+                            <a:rPr lang="en-US" altLang="zh-TW" dirty="0" smtClean="0"/>
+                            <a:t>Rand in[0,10]</a:t>
+                          </a:r>
+                          <a:endParaRPr lang="zh-TW" altLang="en-US" dirty="0"/>
+                        </a:p>
+                      </a:txBody>
+                      <a:tcPr>
+                        <a:lnB w="12700" cap="flat" cmpd="sng" algn="ctr">
+                          <a:noFill/>
+                          <a:prstDash val="solid"/>
+                          <a:round/>
+                          <a:headEnd type="none" w="med" len="med"/>
+                          <a:tailEnd type="none" w="med" len="med"/>
+                        </a:lnB>
+                      </a:tcPr>
+                    </a:tc>
+                    <a:tc>
+                      <a:txBody>
+                        <a:bodyPr/>
+                        <a:lstStyle/>
+                        <a:p>
+                          <a:pPr marL="0" marR="0" indent="0" algn="ctr" defTabSz="914400" rtl="0" eaLnBrk="1" fontAlgn="auto" latinLnBrk="0" hangingPunct="1">
+                            <a:lnSpc>
+                              <a:spcPct val="100000"/>
+                            </a:lnSpc>
+                            <a:spcBef>
+                              <a:spcPts val="0"/>
+                            </a:spcBef>
+                            <a:spcAft>
+                              <a:spcPts val="0"/>
+                            </a:spcAft>
+                            <a:buClrTx/>
+                            <a:buSzTx/>
+                            <a:buFontTx/>
+                            <a:buNone/>
+                            <a:tabLst/>
+                            <a:defRPr/>
+                          </a:pPr>
+                          <a:r>
+                            <a:rPr lang="en-US" altLang="zh-TW" dirty="0" smtClean="0"/>
+                            <a:t>Rand in[0,10]</a:t>
+                          </a:r>
+                          <a:endParaRPr lang="zh-TW" altLang="en-US" dirty="0" smtClean="0"/>
+                        </a:p>
+                      </a:txBody>
+                      <a:tcPr>
+                        <a:lnB w="12700" cap="flat" cmpd="sng" algn="ctr">
+                          <a:noFill/>
+                          <a:prstDash val="solid"/>
+                          <a:round/>
+                          <a:headEnd type="none" w="med" len="med"/>
+                          <a:tailEnd type="none" w="med" len="med"/>
+                        </a:lnB>
+                      </a:tcPr>
+                    </a:tc>
+                    <a:tc>
+                      <a:txBody>
+                        <a:bodyPr/>
+                        <a:lstStyle/>
+                        <a:p>
+                          <a:pPr algn="ctr"/>
+                          <a:r>
+                            <a:rPr lang="en-US" altLang="zh-TW" dirty="0" smtClean="0"/>
+                            <a:t>Rand in[0,10]</a:t>
+                          </a:r>
+                          <a:endParaRPr lang="zh-TW" altLang="en-US" dirty="0"/>
+                        </a:p>
+                      </a:txBody>
+                      <a:tcPr>
+                        <a:lnB w="12700" cap="flat" cmpd="sng" algn="ctr">
+                          <a:noFill/>
+                          <a:prstDash val="solid"/>
+                          <a:round/>
+                          <a:headEnd type="none" w="med" len="med"/>
+                          <a:tailEnd type="none" w="med" len="med"/>
+                        </a:lnB>
+                      </a:tcPr>
+                    </a:tc>
+                    <a:tc>
+                      <a:txBody>
+                        <a:bodyPr/>
+                        <a:lstStyle/>
+                        <a:p>
+                          <a:pPr algn="ctr"/>
+                          <a:r>
+                            <a:rPr lang="en-US" altLang="zh-TW" dirty="0" smtClean="0"/>
+                            <a:t>Rand in[0,10]</a:t>
+                          </a:r>
+                          <a:endParaRPr lang="zh-TW" altLang="en-US" dirty="0"/>
+                        </a:p>
+                      </a:txBody>
+                      <a:tcPr>
+                        <a:lnR w="12700" cap="flat" cmpd="sng" algn="ctr">
+                          <a:solidFill>
+                            <a:schemeClr val="tx1"/>
+                          </a:solidFill>
+                          <a:prstDash val="solid"/>
+                          <a:round/>
+                          <a:headEnd type="none" w="med" len="med"/>
+                          <a:tailEnd type="none" w="med" len="med"/>
+                        </a:lnR>
+                        <a:lnB w="12700" cap="flat" cmpd="sng" algn="ctr">
+                          <a:noFill/>
+                          <a:prstDash val="solid"/>
+                          <a:round/>
+                          <a:headEnd type="none" w="med" len="med"/>
+                          <a:tailEnd type="none" w="med" len="med"/>
+                        </a:lnB>
+                      </a:tcPr>
+                    </a:tc>
+                    <a:tc>
+                      <a:txBody>
+                        <a:bodyPr/>
+                        <a:lstStyle/>
+                        <a:p>
+                          <a:pPr algn="ctr"/>
+                          <a:r>
+                            <a:rPr lang="en-US" altLang="zh-TW" smtClean="0"/>
+                            <a:t>Rand in[0,10]</a:t>
+                          </a:r>
+                          <a:endParaRPr lang="zh-TW" altLang="en-US" dirty="0"/>
+                        </a:p>
+                      </a:txBody>
+                      <a:tcPr>
+                        <a:lnL w="12700" cap="flat" cmpd="sng" algn="ctr">
+                          <a:solidFill>
+                            <a:schemeClr val="tx1"/>
+                          </a:solidFill>
+                          <a:prstDash val="solid"/>
+                          <a:round/>
+                          <a:headEnd type="none" w="med" len="med"/>
+                          <a:tailEnd type="none" w="med" len="med"/>
+                        </a:lnL>
+                        <a:lnB w="12700" cap="flat" cmpd="sng" algn="ctr">
+                          <a:noFill/>
+                          <a:prstDash val="solid"/>
+                          <a:round/>
+                          <a:headEnd type="none" w="med" len="med"/>
+                          <a:tailEnd type="none" w="med" len="med"/>
+                        </a:lnB>
+                      </a:tcPr>
+                    </a:tc>
+                    <a:tc>
+                      <a:txBody>
+                        <a:bodyPr/>
+                        <a:lstStyle/>
+                        <a:p>
+                          <a:pPr algn="ctr"/>
+                          <a:r>
+                            <a:rPr lang="en-US" altLang="zh-TW" dirty="0" smtClean="0"/>
+                            <a:t>Rand in[0,10]</a:t>
+                          </a:r>
+                          <a:endParaRPr lang="zh-TW" altLang="en-US" dirty="0"/>
+                        </a:p>
+                      </a:txBody>
+                      <a:tcPr>
+                        <a:lnB w="12700" cap="flat" cmpd="sng" algn="ctr">
+                          <a:noFill/>
+                          <a:prstDash val="solid"/>
+                          <a:round/>
+                          <a:headEnd type="none" w="med" len="med"/>
+                          <a:tailEnd type="none" w="med" len="med"/>
+                        </a:lnB>
+                      </a:tcPr>
+                    </a:tc>
+                    <a:tc>
+                      <a:txBody>
+                        <a:bodyPr/>
+                        <a:lstStyle/>
+                        <a:p>
+                          <a:pPr algn="ctr"/>
+                          <a:r>
+                            <a:rPr lang="en-US" altLang="zh-TW" smtClean="0"/>
+                            <a:t>Rand in[0,10]</a:t>
+                          </a:r>
+                          <a:endParaRPr lang="zh-TW" altLang="en-US" dirty="0"/>
+                        </a:p>
+                      </a:txBody>
+                      <a:tcPr>
+                        <a:lnB w="12700" cap="flat" cmpd="sng" algn="ctr">
+                          <a:noFill/>
+                          <a:prstDash val="solid"/>
+                          <a:round/>
+                          <a:headEnd type="none" w="med" len="med"/>
+                          <a:tailEnd type="none" w="med" len="med"/>
+                        </a:lnB>
+                      </a:tcPr>
+                    </a:tc>
+                    <a:tc>
+                      <a:txBody>
+                        <a:bodyPr/>
+                        <a:lstStyle/>
+                        <a:p>
+                          <a:pPr algn="ctr"/>
+                          <a:r>
+                            <a:rPr lang="en-US" altLang="zh-TW" dirty="0" smtClean="0"/>
+                            <a:t>Rand in[0,10]</a:t>
+                          </a:r>
+                          <a:endParaRPr lang="zh-TW" altLang="en-US" dirty="0"/>
+                        </a:p>
+                      </a:txBody>
+                      <a:tcPr>
+                        <a:lnB w="12700" cap="flat" cmpd="sng" algn="ctr">
+                          <a:noFill/>
+                          <a:prstDash val="solid"/>
+                          <a:round/>
+                          <a:headEnd type="none" w="med" len="med"/>
+                          <a:tailEnd type="none" w="med" len="med"/>
+                        </a:lnB>
+                      </a:tcPr>
+                    </a:tc>
+                  </a:tr>
+                </a:tbl>
+              </a:graphicData>
+            </a:graphic>
+          </p:graphicFrame>
+        </mc:Fallback>
+      </mc:AlternateContent>
       <p:sp>
         <p:nvSpPr>
           <p:cNvPr id="6" name="文字方塊 5"/>
@@ -8416,614 +8954,1345 @@
           </a:p>
         </p:txBody>
       </p:sp>
-      <p:graphicFrame>
-        <p:nvGraphicFramePr>
-          <p:cNvPr id="8" name="表格 7"/>
-          <p:cNvGraphicFramePr>
-            <a:graphicFrameLocks noGrp="1"/>
-          </p:cNvGraphicFramePr>
-          <p:nvPr>
-            <p:extLst>
-              <p:ext uri="{D42A27DB-BD31-4B8C-83A1-F6EECF244321}">
-                <p14:modId xmlns:p14="http://schemas.microsoft.com/office/powerpoint/2010/main" val="133044788"/>
-              </p:ext>
-            </p:extLst>
-          </p:nvPr>
-        </p:nvGraphicFramePr>
-        <p:xfrm>
-          <a:off x="1154096" y="3924504"/>
-          <a:ext cx="9694416" cy="2485030"/>
-        </p:xfrm>
-        <a:graphic>
-          <a:graphicData uri="http://schemas.openxmlformats.org/drawingml/2006/table">
-            <a:tbl>
-              <a:tblPr firstRow="1" bandRow="1">
-                <a:tableStyleId>{C083E6E3-FA7D-4D7B-A595-EF9225AFEA82}</a:tableStyleId>
-              </a:tblPr>
-              <a:tblGrid>
-                <a:gridCol w="2423604"/>
-                <a:gridCol w="2423604"/>
-                <a:gridCol w="2423604"/>
-                <a:gridCol w="2423604"/>
-              </a:tblGrid>
-              <a:tr h="497006">
-                <a:tc>
-                  <a:txBody>
-                    <a:bodyPr/>
-                    <a:lstStyle/>
-                    <a:p>
-                      <a:pPr algn="ctr"/>
-                      <a:r>
-                        <a:rPr lang="en-US" altLang="zh-TW" dirty="0" smtClean="0"/>
-                        <a:t>n</a:t>
-                      </a:r>
-                      <a:endParaRPr lang="zh-TW" altLang="en-US" dirty="0"/>
-                    </a:p>
-                  </a:txBody>
-                  <a:tcPr>
-                    <a:lnT w="12700" cap="flat" cmpd="sng" algn="ctr">
-                      <a:solidFill>
-                        <a:schemeClr val="tx1"/>
-                      </a:solidFill>
-                      <a:prstDash val="solid"/>
-                      <a:round/>
-                      <a:headEnd type="none" w="med" len="med"/>
-                      <a:tailEnd type="none" w="med" len="med"/>
-                    </a:lnT>
-                  </a:tcPr>
-                </a:tc>
-                <a:tc>
-                  <a:txBody>
-                    <a:bodyPr/>
-                    <a:lstStyle/>
-                    <a:p>
-                      <a:pPr algn="ctr"/>
-                      <a:r>
-                        <a:rPr lang="en-US" altLang="zh-TW" dirty="0" smtClean="0"/>
-                        <a:t>a0</a:t>
-                      </a:r>
-                      <a:endParaRPr lang="zh-TW" altLang="en-US" dirty="0"/>
-                    </a:p>
-                  </a:txBody>
-                  <a:tcPr>
-                    <a:lnT w="12700" cap="flat" cmpd="sng" algn="ctr">
-                      <a:solidFill>
-                        <a:schemeClr val="tx1"/>
-                      </a:solidFill>
-                      <a:prstDash val="solid"/>
-                      <a:round/>
-                      <a:headEnd type="none" w="med" len="med"/>
-                      <a:tailEnd type="none" w="med" len="med"/>
-                    </a:lnT>
-                  </a:tcPr>
-                </a:tc>
-                <a:tc>
-                  <a:txBody>
-                    <a:bodyPr/>
-                    <a:lstStyle/>
-                    <a:p>
-                      <a:pPr algn="ctr"/>
-                      <a:r>
-                        <a:rPr lang="en-US" altLang="zh-TW" dirty="0" smtClean="0"/>
-                        <a:t>a1</a:t>
-                      </a:r>
-                      <a:endParaRPr lang="zh-TW" altLang="en-US" dirty="0"/>
-                    </a:p>
-                  </a:txBody>
-                  <a:tcPr>
-                    <a:lnT w="12700" cap="flat" cmpd="sng" algn="ctr">
-                      <a:solidFill>
-                        <a:schemeClr val="tx1"/>
-                      </a:solidFill>
-                      <a:prstDash val="solid"/>
-                      <a:round/>
-                      <a:headEnd type="none" w="med" len="med"/>
-                      <a:tailEnd type="none" w="med" len="med"/>
-                    </a:lnT>
-                  </a:tcPr>
-                </a:tc>
-                <a:tc>
-                  <a:txBody>
-                    <a:bodyPr/>
-                    <a:lstStyle/>
-                    <a:p>
-                      <a:pPr algn="ctr"/>
-                      <a:r>
-                        <a:rPr lang="en-US" altLang="zh-TW" dirty="0" smtClean="0"/>
-                        <a:t>a2</a:t>
-                      </a:r>
-                      <a:endParaRPr lang="zh-TW" altLang="en-US" dirty="0"/>
-                    </a:p>
-                  </a:txBody>
-                  <a:tcPr>
-                    <a:lnT w="12700" cap="flat" cmpd="sng" algn="ctr">
-                      <a:solidFill>
-                        <a:schemeClr val="tx1"/>
-                      </a:solidFill>
-                      <a:prstDash val="solid"/>
-                      <a:round/>
-                      <a:headEnd type="none" w="med" len="med"/>
-                      <a:tailEnd type="none" w="med" len="med"/>
-                    </a:lnT>
-                  </a:tcPr>
-                </a:tc>
-              </a:tr>
-              <a:tr h="497006">
-                <a:tc>
-                  <a:txBody>
-                    <a:bodyPr/>
-                    <a:lstStyle/>
-                    <a:p>
-                      <a:pPr algn="ctr"/>
-                      <a:r>
-                        <a:rPr lang="en-US" altLang="zh-TW" dirty="0" smtClean="0"/>
-                        <a:t>Rule1</a:t>
-                      </a:r>
-                      <a:endParaRPr lang="zh-TW" altLang="en-US" dirty="0"/>
-                    </a:p>
-                  </a:txBody>
-                  <a:tcPr/>
-                </a:tc>
-                <a:tc>
-                  <a:txBody>
-                    <a:bodyPr/>
-                    <a:lstStyle/>
-                    <a:p>
-                      <a:pPr algn="ctr"/>
-                      <a:r>
-                        <a:rPr lang="en-US" altLang="zh-TW" dirty="0" smtClean="0"/>
-                        <a:t>Rand in [0,1]</a:t>
-                      </a:r>
-                      <a:endParaRPr lang="zh-TW" altLang="en-US" dirty="0"/>
-                    </a:p>
-                  </a:txBody>
-                  <a:tcPr/>
-                </a:tc>
-                <a:tc>
-                  <a:txBody>
-                    <a:bodyPr/>
-                    <a:lstStyle/>
-                    <a:p>
-                      <a:pPr marL="0" marR="0" indent="0" algn="ctr" defTabSz="914400" rtl="0" eaLnBrk="1" fontAlgn="auto" latinLnBrk="0" hangingPunct="1">
-                        <a:lnSpc>
-                          <a:spcPct val="100000"/>
-                        </a:lnSpc>
-                        <a:spcBef>
-                          <a:spcPts val="0"/>
-                        </a:spcBef>
-                        <a:spcAft>
-                          <a:spcPts val="0"/>
-                        </a:spcAft>
-                        <a:buClrTx/>
-                        <a:buSzTx/>
-                        <a:buFontTx/>
-                        <a:buNone/>
-                        <a:tabLst/>
-                        <a:defRPr/>
-                      </a:pPr>
-                      <a:r>
-                        <a:rPr lang="en-US" altLang="zh-TW" dirty="0" smtClean="0"/>
-                        <a:t>Rand in [0,1]</a:t>
-                      </a:r>
-                      <a:endParaRPr lang="zh-TW" altLang="en-US" dirty="0" smtClean="0"/>
-                    </a:p>
-                  </a:txBody>
-                  <a:tcPr/>
-                </a:tc>
-                <a:tc>
-                  <a:txBody>
-                    <a:bodyPr/>
-                    <a:lstStyle/>
-                    <a:p>
-                      <a:pPr marL="0" marR="0" indent="0" algn="ctr" defTabSz="914400" rtl="0" eaLnBrk="1" fontAlgn="auto" latinLnBrk="0" hangingPunct="1">
-                        <a:lnSpc>
-                          <a:spcPct val="100000"/>
-                        </a:lnSpc>
-                        <a:spcBef>
-                          <a:spcPts val="0"/>
-                        </a:spcBef>
-                        <a:spcAft>
-                          <a:spcPts val="0"/>
-                        </a:spcAft>
-                        <a:buClrTx/>
-                        <a:buSzTx/>
-                        <a:buFontTx/>
-                        <a:buNone/>
-                        <a:tabLst/>
-                        <a:defRPr/>
-                      </a:pPr>
-                      <a:r>
-                        <a:rPr lang="en-US" altLang="zh-TW" dirty="0" smtClean="0"/>
-                        <a:t>Rand in [0,1]</a:t>
-                      </a:r>
-                      <a:endParaRPr lang="zh-TW" altLang="en-US" dirty="0"/>
-                    </a:p>
-                  </a:txBody>
-                  <a:tcPr/>
-                </a:tc>
-              </a:tr>
-              <a:tr h="497006">
-                <a:tc>
-                  <a:txBody>
-                    <a:bodyPr/>
-                    <a:lstStyle/>
-                    <a:p>
-                      <a:pPr marL="0" marR="0" indent="0" algn="ctr" defTabSz="914400" rtl="0" eaLnBrk="1" fontAlgn="auto" latinLnBrk="0" hangingPunct="1">
-                        <a:lnSpc>
-                          <a:spcPct val="100000"/>
-                        </a:lnSpc>
-                        <a:spcBef>
-                          <a:spcPts val="0"/>
-                        </a:spcBef>
-                        <a:spcAft>
-                          <a:spcPts val="0"/>
-                        </a:spcAft>
-                        <a:buClrTx/>
-                        <a:buSzTx/>
-                        <a:buFontTx/>
-                        <a:buNone/>
-                        <a:tabLst/>
-                        <a:defRPr/>
-                      </a:pPr>
-                      <a:r>
-                        <a:rPr lang="en-US" altLang="zh-TW" dirty="0" smtClean="0"/>
-                        <a:t>Rule2</a:t>
-                      </a:r>
-                      <a:endParaRPr lang="zh-TW" altLang="en-US" dirty="0" smtClean="0"/>
-                    </a:p>
-                  </a:txBody>
-                  <a:tcPr/>
-                </a:tc>
-                <a:tc>
-                  <a:txBody>
-                    <a:bodyPr/>
-                    <a:lstStyle/>
-                    <a:p>
-                      <a:pPr marL="0" marR="0" indent="0" algn="ctr" defTabSz="914400" rtl="0" eaLnBrk="1" fontAlgn="auto" latinLnBrk="0" hangingPunct="1">
-                        <a:lnSpc>
-                          <a:spcPct val="100000"/>
-                        </a:lnSpc>
-                        <a:spcBef>
-                          <a:spcPts val="0"/>
-                        </a:spcBef>
-                        <a:spcAft>
-                          <a:spcPts val="0"/>
-                        </a:spcAft>
-                        <a:buClrTx/>
-                        <a:buSzTx/>
-                        <a:buFontTx/>
-                        <a:buNone/>
-                        <a:tabLst/>
-                        <a:defRPr/>
-                      </a:pPr>
-                      <a:r>
-                        <a:rPr lang="en-US" altLang="zh-TW" dirty="0" smtClean="0"/>
-                        <a:t>Rand in [0,1]</a:t>
-                      </a:r>
-                      <a:endParaRPr lang="zh-TW" altLang="en-US" dirty="0" smtClean="0"/>
-                    </a:p>
-                  </a:txBody>
-                  <a:tcPr/>
-                </a:tc>
-                <a:tc>
-                  <a:txBody>
-                    <a:bodyPr/>
-                    <a:lstStyle/>
-                    <a:p>
-                      <a:pPr marL="0" marR="0" indent="0" algn="ctr" defTabSz="914400" rtl="0" eaLnBrk="1" fontAlgn="auto" latinLnBrk="0" hangingPunct="1">
-                        <a:lnSpc>
-                          <a:spcPct val="100000"/>
-                        </a:lnSpc>
-                        <a:spcBef>
-                          <a:spcPts val="0"/>
-                        </a:spcBef>
-                        <a:spcAft>
-                          <a:spcPts val="0"/>
-                        </a:spcAft>
-                        <a:buClrTx/>
-                        <a:buSzTx/>
-                        <a:buFontTx/>
-                        <a:buNone/>
-                        <a:tabLst/>
-                        <a:defRPr/>
-                      </a:pPr>
-                      <a:r>
-                        <a:rPr lang="en-US" altLang="zh-TW" dirty="0" smtClean="0"/>
-                        <a:t>Rand in [0,1]</a:t>
-                      </a:r>
-                      <a:endParaRPr lang="zh-TW" altLang="en-US" dirty="0" smtClean="0"/>
-                    </a:p>
-                  </a:txBody>
-                  <a:tcPr/>
-                </a:tc>
-                <a:tc>
-                  <a:txBody>
-                    <a:bodyPr/>
-                    <a:lstStyle/>
-                    <a:p>
-                      <a:pPr marL="0" marR="0" indent="0" algn="ctr" defTabSz="914400" rtl="0" eaLnBrk="1" fontAlgn="auto" latinLnBrk="0" hangingPunct="1">
-                        <a:lnSpc>
-                          <a:spcPct val="100000"/>
-                        </a:lnSpc>
-                        <a:spcBef>
-                          <a:spcPts val="0"/>
-                        </a:spcBef>
-                        <a:spcAft>
-                          <a:spcPts val="0"/>
-                        </a:spcAft>
-                        <a:buClrTx/>
-                        <a:buSzTx/>
-                        <a:buFontTx/>
-                        <a:buNone/>
-                        <a:tabLst/>
-                        <a:defRPr/>
-                      </a:pPr>
-                      <a:r>
-                        <a:rPr lang="en-US" altLang="zh-TW" dirty="0" smtClean="0"/>
-                        <a:t>Rand in [0,1]</a:t>
-                      </a:r>
-                      <a:endParaRPr lang="zh-TW" altLang="en-US" dirty="0" smtClean="0"/>
-                    </a:p>
-                  </a:txBody>
-                  <a:tcPr/>
-                </a:tc>
-              </a:tr>
-              <a:tr h="497006">
-                <a:tc>
-                  <a:txBody>
-                    <a:bodyPr/>
-                    <a:lstStyle/>
-                    <a:p>
-                      <a:pPr marL="0" marR="0" indent="0" algn="ctr" defTabSz="914400" rtl="0" eaLnBrk="1" fontAlgn="auto" latinLnBrk="0" hangingPunct="1">
-                        <a:lnSpc>
-                          <a:spcPct val="100000"/>
-                        </a:lnSpc>
-                        <a:spcBef>
-                          <a:spcPts val="0"/>
-                        </a:spcBef>
-                        <a:spcAft>
-                          <a:spcPts val="0"/>
-                        </a:spcAft>
-                        <a:buClrTx/>
-                        <a:buSzTx/>
-                        <a:buFontTx/>
-                        <a:buNone/>
-                        <a:tabLst/>
-                        <a:defRPr/>
-                      </a:pPr>
-                      <a:r>
-                        <a:rPr lang="en-US" altLang="zh-TW" dirty="0" smtClean="0"/>
-                        <a:t>Rule3</a:t>
-                      </a:r>
-                      <a:endParaRPr lang="zh-TW" altLang="en-US" dirty="0" smtClean="0"/>
-                    </a:p>
-                  </a:txBody>
-                  <a:tcPr/>
-                </a:tc>
-                <a:tc>
-                  <a:txBody>
-                    <a:bodyPr/>
-                    <a:lstStyle/>
-                    <a:p>
-                      <a:pPr marL="0" marR="0" indent="0" algn="ctr" defTabSz="914400" rtl="0" eaLnBrk="1" fontAlgn="auto" latinLnBrk="0" hangingPunct="1">
-                        <a:lnSpc>
-                          <a:spcPct val="100000"/>
-                        </a:lnSpc>
-                        <a:spcBef>
-                          <a:spcPts val="0"/>
-                        </a:spcBef>
-                        <a:spcAft>
-                          <a:spcPts val="0"/>
-                        </a:spcAft>
-                        <a:buClrTx/>
-                        <a:buSzTx/>
-                        <a:buFontTx/>
-                        <a:buNone/>
-                        <a:tabLst/>
-                        <a:defRPr/>
-                      </a:pPr>
-                      <a:r>
-                        <a:rPr lang="en-US" altLang="zh-TW" dirty="0" smtClean="0"/>
-                        <a:t>Rand in [0,1]</a:t>
-                      </a:r>
-                      <a:endParaRPr lang="zh-TW" altLang="en-US" dirty="0" smtClean="0"/>
-                    </a:p>
-                  </a:txBody>
-                  <a:tcPr/>
-                </a:tc>
-                <a:tc>
-                  <a:txBody>
-                    <a:bodyPr/>
-                    <a:lstStyle/>
-                    <a:p>
-                      <a:pPr marL="0" marR="0" indent="0" algn="ctr" defTabSz="914400" rtl="0" eaLnBrk="1" fontAlgn="auto" latinLnBrk="0" hangingPunct="1">
-                        <a:lnSpc>
-                          <a:spcPct val="100000"/>
-                        </a:lnSpc>
-                        <a:spcBef>
-                          <a:spcPts val="0"/>
-                        </a:spcBef>
-                        <a:spcAft>
-                          <a:spcPts val="0"/>
-                        </a:spcAft>
-                        <a:buClrTx/>
-                        <a:buSzTx/>
-                        <a:buFontTx/>
-                        <a:buNone/>
-                        <a:tabLst/>
-                        <a:defRPr/>
-                      </a:pPr>
-                      <a:r>
-                        <a:rPr lang="en-US" altLang="zh-TW" dirty="0" smtClean="0"/>
-                        <a:t>Rand in [0,1]</a:t>
-                      </a:r>
-                      <a:endParaRPr lang="zh-TW" altLang="en-US" dirty="0" smtClean="0"/>
-                    </a:p>
-                  </a:txBody>
-                  <a:tcPr/>
-                </a:tc>
-                <a:tc>
-                  <a:txBody>
-                    <a:bodyPr/>
-                    <a:lstStyle/>
-                    <a:p>
-                      <a:pPr marL="0" marR="0" indent="0" algn="ctr" defTabSz="914400" rtl="0" eaLnBrk="1" fontAlgn="auto" latinLnBrk="0" hangingPunct="1">
-                        <a:lnSpc>
-                          <a:spcPct val="100000"/>
-                        </a:lnSpc>
-                        <a:spcBef>
-                          <a:spcPts val="0"/>
-                        </a:spcBef>
-                        <a:spcAft>
-                          <a:spcPts val="0"/>
-                        </a:spcAft>
-                        <a:buClrTx/>
-                        <a:buSzTx/>
-                        <a:buFontTx/>
-                        <a:buNone/>
-                        <a:tabLst/>
-                        <a:defRPr/>
-                      </a:pPr>
-                      <a:r>
-                        <a:rPr lang="en-US" altLang="zh-TW" dirty="0" smtClean="0"/>
-                        <a:t>Rand in [0,1]</a:t>
-                      </a:r>
-                      <a:endParaRPr lang="zh-TW" altLang="en-US" dirty="0" smtClean="0"/>
-                    </a:p>
-                  </a:txBody>
-                  <a:tcPr/>
-                </a:tc>
-              </a:tr>
-              <a:tr h="497006">
-                <a:tc>
-                  <a:txBody>
-                    <a:bodyPr/>
-                    <a:lstStyle/>
-                    <a:p>
-                      <a:pPr marL="0" marR="0" indent="0" algn="ctr" defTabSz="914400" rtl="0" eaLnBrk="1" fontAlgn="auto" latinLnBrk="0" hangingPunct="1">
-                        <a:lnSpc>
-                          <a:spcPct val="100000"/>
-                        </a:lnSpc>
-                        <a:spcBef>
-                          <a:spcPts val="0"/>
-                        </a:spcBef>
-                        <a:spcAft>
-                          <a:spcPts val="0"/>
-                        </a:spcAft>
-                        <a:buClrTx/>
-                        <a:buSzTx/>
-                        <a:buFontTx/>
-                        <a:buNone/>
-                        <a:tabLst/>
-                        <a:defRPr/>
-                      </a:pPr>
-                      <a:r>
-                        <a:rPr lang="en-US" altLang="zh-TW" dirty="0" smtClean="0"/>
-                        <a:t>Rule4</a:t>
-                      </a:r>
-                      <a:endParaRPr lang="zh-TW" altLang="en-US" dirty="0" smtClean="0"/>
-                    </a:p>
-                  </a:txBody>
-                  <a:tcPr/>
-                </a:tc>
-                <a:tc>
-                  <a:txBody>
-                    <a:bodyPr/>
-                    <a:lstStyle/>
-                    <a:p>
-                      <a:pPr marL="0" marR="0" indent="0" algn="ctr" defTabSz="914400" rtl="0" eaLnBrk="1" fontAlgn="auto" latinLnBrk="0" hangingPunct="1">
-                        <a:lnSpc>
-                          <a:spcPct val="100000"/>
-                        </a:lnSpc>
-                        <a:spcBef>
-                          <a:spcPts val="0"/>
-                        </a:spcBef>
-                        <a:spcAft>
-                          <a:spcPts val="0"/>
-                        </a:spcAft>
-                        <a:buClrTx/>
-                        <a:buSzTx/>
-                        <a:buFontTx/>
-                        <a:buNone/>
-                        <a:tabLst/>
-                        <a:defRPr/>
-                      </a:pPr>
-                      <a:r>
-                        <a:rPr lang="en-US" altLang="zh-TW" dirty="0" smtClean="0"/>
-                        <a:t>Rand in [0,1]</a:t>
-                      </a:r>
-                      <a:endParaRPr lang="zh-TW" altLang="en-US" dirty="0" smtClean="0"/>
-                    </a:p>
-                  </a:txBody>
-                  <a:tcPr/>
-                </a:tc>
-                <a:tc>
-                  <a:txBody>
-                    <a:bodyPr/>
-                    <a:lstStyle/>
-                    <a:p>
-                      <a:pPr marL="0" marR="0" indent="0" algn="ctr" defTabSz="914400" rtl="0" eaLnBrk="1" fontAlgn="auto" latinLnBrk="0" hangingPunct="1">
-                        <a:lnSpc>
-                          <a:spcPct val="100000"/>
-                        </a:lnSpc>
-                        <a:spcBef>
-                          <a:spcPts val="0"/>
-                        </a:spcBef>
-                        <a:spcAft>
-                          <a:spcPts val="0"/>
-                        </a:spcAft>
-                        <a:buClrTx/>
-                        <a:buSzTx/>
-                        <a:buFontTx/>
-                        <a:buNone/>
-                        <a:tabLst/>
-                        <a:defRPr/>
-                      </a:pPr>
-                      <a:r>
-                        <a:rPr lang="en-US" altLang="zh-TW" dirty="0" smtClean="0"/>
-                        <a:t>Rand in [0,1]</a:t>
-                      </a:r>
-                      <a:endParaRPr lang="zh-TW" altLang="en-US" dirty="0" smtClean="0"/>
-                    </a:p>
-                  </a:txBody>
-                  <a:tcPr/>
-                </a:tc>
-                <a:tc>
-                  <a:txBody>
-                    <a:bodyPr/>
-                    <a:lstStyle/>
-                    <a:p>
-                      <a:pPr marL="0" marR="0" indent="0" algn="ctr" defTabSz="914400" rtl="0" eaLnBrk="1" fontAlgn="auto" latinLnBrk="0" hangingPunct="1">
-                        <a:lnSpc>
-                          <a:spcPct val="100000"/>
-                        </a:lnSpc>
-                        <a:spcBef>
-                          <a:spcPts val="0"/>
-                        </a:spcBef>
-                        <a:spcAft>
-                          <a:spcPts val="0"/>
-                        </a:spcAft>
-                        <a:buClrTx/>
-                        <a:buSzTx/>
-                        <a:buFontTx/>
-                        <a:buNone/>
-                        <a:tabLst/>
-                        <a:defRPr/>
-                      </a:pPr>
-                      <a:r>
-                        <a:rPr lang="en-US" altLang="zh-TW" dirty="0" smtClean="0"/>
-                        <a:t>Rand in [0,1]</a:t>
-                      </a:r>
-                      <a:endParaRPr lang="zh-TW" altLang="en-US" dirty="0" smtClean="0"/>
-                    </a:p>
-                  </a:txBody>
-                  <a:tcPr/>
-                </a:tc>
-              </a:tr>
-            </a:tbl>
-          </a:graphicData>
-        </a:graphic>
-      </p:graphicFrame>
+      <mc:AlternateContent xmlns:mc="http://schemas.openxmlformats.org/markup-compatibility/2006">
+        <mc:Choice xmlns:a14="http://schemas.microsoft.com/office/drawing/2010/main" Requires="a14">
+          <p:graphicFrame>
+            <p:nvGraphicFramePr>
+              <p:cNvPr id="8" name="表格 7"/>
+              <p:cNvGraphicFramePr>
+                <a:graphicFrameLocks noGrp="1"/>
+              </p:cNvGraphicFramePr>
+              <p:nvPr>
+                <p:extLst>
+                  <p:ext uri="{D42A27DB-BD31-4B8C-83A1-F6EECF244321}">
+                    <p14:modId xmlns:p14="http://schemas.microsoft.com/office/powerpoint/2010/main" val="133044788"/>
+                  </p:ext>
+                </p:extLst>
+              </p:nvPr>
+            </p:nvGraphicFramePr>
+            <p:xfrm>
+              <a:off x="1154096" y="3924504"/>
+              <a:ext cx="9694416" cy="2485030"/>
+            </p:xfrm>
+            <a:graphic>
+              <a:graphicData uri="http://schemas.openxmlformats.org/drawingml/2006/table">
+                <a:tbl>
+                  <a:tblPr firstRow="1" bandRow="1">
+                    <a:tableStyleId>{C083E6E3-FA7D-4D7B-A595-EF9225AFEA82}</a:tableStyleId>
+                  </a:tblPr>
+                  <a:tblGrid>
+                    <a:gridCol w="2423604"/>
+                    <a:gridCol w="2423604"/>
+                    <a:gridCol w="2423604"/>
+                    <a:gridCol w="2423604"/>
+                  </a:tblGrid>
+                  <a:tr h="497006">
+                    <a:tc>
+                      <a:txBody>
+                        <a:bodyPr/>
+                        <a:lstStyle/>
+                        <a:p>
+                          <a:pPr algn="ctr"/>
+                          <a:r>
+                            <a:rPr lang="en-US" altLang="zh-TW" dirty="0" smtClean="0"/>
+                            <a:t>n</a:t>
+                          </a:r>
+                          <a:endParaRPr lang="zh-TW" altLang="en-US" dirty="0"/>
+                        </a:p>
+                      </a:txBody>
+                      <a:tcPr>
+                        <a:lnT w="12700" cap="flat" cmpd="sng" algn="ctr">
+                          <a:solidFill>
+                            <a:schemeClr val="tx1"/>
+                          </a:solidFill>
+                          <a:prstDash val="solid"/>
+                          <a:round/>
+                          <a:headEnd type="none" w="med" len="med"/>
+                          <a:tailEnd type="none" w="med" len="med"/>
+                        </a:lnT>
+                      </a:tcPr>
+                    </a:tc>
+                    <a:tc>
+                      <a:txBody>
+                        <a:bodyPr/>
+                        <a:lstStyle/>
+                        <a:p>
+                          <a:pPr algn="ctr"/>
+                          <a14:m>
+                            <m:oMathPara xmlns:m="http://schemas.openxmlformats.org/officeDocument/2006/math">
+                              <m:oMathParaPr>
+                                <m:jc m:val="centerGroup"/>
+                              </m:oMathParaPr>
+                              <m:oMath xmlns:m="http://schemas.openxmlformats.org/officeDocument/2006/math">
+                                <m:sSubSup>
+                                  <m:sSubSupPr>
+                                    <m:ctrlPr>
+                                      <a:rPr lang="en-US" altLang="zh-TW" b="0" i="1" smtClean="0">
+                                        <a:latin typeface="Cambria Math" panose="02040503050406030204" pitchFamily="18" charset="0"/>
+                                      </a:rPr>
+                                    </m:ctrlPr>
+                                  </m:sSubSupPr>
+                                  <m:e>
+                                    <m:r>
+                                      <a:rPr lang="en-US" altLang="zh-TW" b="0" i="1" smtClean="0">
+                                        <a:latin typeface="Cambria Math" panose="02040503050406030204" pitchFamily="18" charset="0"/>
+                                      </a:rPr>
+                                      <m:t>𝑎</m:t>
+                                    </m:r>
+                                  </m:e>
+                                  <m:sub>
+                                    <m:r>
+                                      <a:rPr lang="en-US" altLang="zh-TW" b="0" i="1" smtClean="0">
+                                        <a:latin typeface="Cambria Math" panose="02040503050406030204" pitchFamily="18" charset="0"/>
+                                      </a:rPr>
+                                      <m:t>0</m:t>
+                                    </m:r>
+                                  </m:sub>
+                                  <m:sup>
+                                    <m:r>
+                                      <a:rPr lang="en-US" altLang="zh-TW" b="0" i="1" smtClean="0">
+                                        <a:latin typeface="Cambria Math" panose="02040503050406030204" pitchFamily="18" charset="0"/>
+                                      </a:rPr>
+                                      <m:t>𝑛</m:t>
+                                    </m:r>
+                                  </m:sup>
+                                </m:sSubSup>
+                              </m:oMath>
+                            </m:oMathPara>
+                          </a14:m>
+                          <a:endParaRPr lang="zh-TW" altLang="en-US" dirty="0"/>
+                        </a:p>
+                      </a:txBody>
+                      <a:tcPr>
+                        <a:lnT w="12700" cap="flat" cmpd="sng" algn="ctr">
+                          <a:solidFill>
+                            <a:schemeClr val="tx1"/>
+                          </a:solidFill>
+                          <a:prstDash val="solid"/>
+                          <a:round/>
+                          <a:headEnd type="none" w="med" len="med"/>
+                          <a:tailEnd type="none" w="med" len="med"/>
+                        </a:lnT>
+                      </a:tcPr>
+                    </a:tc>
+                    <a:tc>
+                      <a:txBody>
+                        <a:bodyPr/>
+                        <a:lstStyle/>
+                        <a:p>
+                          <a:pPr algn="ctr"/>
+                          <a14:m>
+                            <m:oMathPara xmlns:m="http://schemas.openxmlformats.org/officeDocument/2006/math">
+                              <m:oMathParaPr>
+                                <m:jc m:val="centerGroup"/>
+                              </m:oMathParaPr>
+                              <m:oMath xmlns:m="http://schemas.openxmlformats.org/officeDocument/2006/math">
+                                <m:sSubSup>
+                                  <m:sSubSupPr>
+                                    <m:ctrlPr>
+                                      <a:rPr lang="en-US" altLang="zh-TW" b="0" i="1" smtClean="0">
+                                        <a:latin typeface="Cambria Math" panose="02040503050406030204" pitchFamily="18" charset="0"/>
+                                      </a:rPr>
+                                    </m:ctrlPr>
+                                  </m:sSubSupPr>
+                                  <m:e>
+                                    <m:r>
+                                      <a:rPr lang="en-US" altLang="zh-TW" b="0" i="1" smtClean="0">
+                                        <a:latin typeface="Cambria Math" panose="02040503050406030204" pitchFamily="18" charset="0"/>
+                                      </a:rPr>
+                                      <m:t>𝑎</m:t>
+                                    </m:r>
+                                  </m:e>
+                                  <m:sub>
+                                    <m:r>
+                                      <a:rPr lang="en-US" altLang="zh-TW" b="0" i="1" smtClean="0">
+                                        <a:latin typeface="Cambria Math" panose="02040503050406030204" pitchFamily="18" charset="0"/>
+                                      </a:rPr>
+                                      <m:t>1</m:t>
+                                    </m:r>
+                                  </m:sub>
+                                  <m:sup>
+                                    <m:r>
+                                      <a:rPr lang="en-US" altLang="zh-TW" b="0" i="1" smtClean="0">
+                                        <a:latin typeface="Cambria Math" panose="02040503050406030204" pitchFamily="18" charset="0"/>
+                                      </a:rPr>
+                                      <m:t>𝑛</m:t>
+                                    </m:r>
+                                  </m:sup>
+                                </m:sSubSup>
+                              </m:oMath>
+                            </m:oMathPara>
+                          </a14:m>
+                          <a:endParaRPr lang="zh-TW" altLang="en-US" dirty="0"/>
+                        </a:p>
+                      </a:txBody>
+                      <a:tcPr>
+                        <a:lnT w="12700" cap="flat" cmpd="sng" algn="ctr">
+                          <a:solidFill>
+                            <a:schemeClr val="tx1"/>
+                          </a:solidFill>
+                          <a:prstDash val="solid"/>
+                          <a:round/>
+                          <a:headEnd type="none" w="med" len="med"/>
+                          <a:tailEnd type="none" w="med" len="med"/>
+                        </a:lnT>
+                      </a:tcPr>
+                    </a:tc>
+                    <a:tc>
+                      <a:txBody>
+                        <a:bodyPr/>
+                        <a:lstStyle/>
+                        <a:p>
+                          <a:pPr algn="ctr"/>
+                          <a14:m>
+                            <m:oMathPara xmlns:m="http://schemas.openxmlformats.org/officeDocument/2006/math">
+                              <m:oMathParaPr>
+                                <m:jc m:val="centerGroup"/>
+                              </m:oMathParaPr>
+                              <m:oMath xmlns:m="http://schemas.openxmlformats.org/officeDocument/2006/math">
+                                <m:sSubSup>
+                                  <m:sSubSupPr>
+                                    <m:ctrlPr>
+                                      <a:rPr lang="en-US" altLang="zh-TW" b="0" i="1" smtClean="0">
+                                        <a:latin typeface="Cambria Math" panose="02040503050406030204" pitchFamily="18" charset="0"/>
+                                      </a:rPr>
+                                    </m:ctrlPr>
+                                  </m:sSubSupPr>
+                                  <m:e>
+                                    <m:r>
+                                      <a:rPr lang="en-US" altLang="zh-TW" b="0" i="1" smtClean="0">
+                                        <a:latin typeface="Cambria Math" panose="02040503050406030204" pitchFamily="18" charset="0"/>
+                                      </a:rPr>
+                                      <m:t>𝑎</m:t>
+                                    </m:r>
+                                  </m:e>
+                                  <m:sub>
+                                    <m:r>
+                                      <a:rPr lang="en-US" altLang="zh-TW" b="0" i="1" smtClean="0">
+                                        <a:latin typeface="Cambria Math" panose="02040503050406030204" pitchFamily="18" charset="0"/>
+                                      </a:rPr>
+                                      <m:t>2</m:t>
+                                    </m:r>
+                                  </m:sub>
+                                  <m:sup>
+                                    <m:r>
+                                      <a:rPr lang="en-US" altLang="zh-TW" b="0" i="1" smtClean="0">
+                                        <a:latin typeface="Cambria Math" panose="02040503050406030204" pitchFamily="18" charset="0"/>
+                                      </a:rPr>
+                                      <m:t>𝑛</m:t>
+                                    </m:r>
+                                  </m:sup>
+                                </m:sSubSup>
+                              </m:oMath>
+                            </m:oMathPara>
+                          </a14:m>
+                          <a:endParaRPr lang="zh-TW" altLang="en-US" dirty="0"/>
+                        </a:p>
+                      </a:txBody>
+                      <a:tcPr>
+                        <a:lnT w="12700" cap="flat" cmpd="sng" algn="ctr">
+                          <a:solidFill>
+                            <a:schemeClr val="tx1"/>
+                          </a:solidFill>
+                          <a:prstDash val="solid"/>
+                          <a:round/>
+                          <a:headEnd type="none" w="med" len="med"/>
+                          <a:tailEnd type="none" w="med" len="med"/>
+                        </a:lnT>
+                      </a:tcPr>
+                    </a:tc>
+                  </a:tr>
+                  <a:tr h="497006">
+                    <a:tc>
+                      <a:txBody>
+                        <a:bodyPr/>
+                        <a:lstStyle/>
+                        <a:p>
+                          <a:pPr algn="ctr"/>
+                          <a:r>
+                            <a:rPr lang="en-US" altLang="zh-TW" dirty="0" smtClean="0"/>
+                            <a:t>Rule1</a:t>
+                          </a:r>
+                          <a:endParaRPr lang="zh-TW" altLang="en-US" dirty="0"/>
+                        </a:p>
+                      </a:txBody>
+                      <a:tcPr/>
+                    </a:tc>
+                    <a:tc>
+                      <a:txBody>
+                        <a:bodyPr/>
+                        <a:lstStyle/>
+                        <a:p>
+                          <a:pPr algn="ctr"/>
+                          <a:r>
+                            <a:rPr lang="en-US" altLang="zh-TW" dirty="0" smtClean="0"/>
+                            <a:t>Rand in [0,1]</a:t>
+                          </a:r>
+                          <a:endParaRPr lang="zh-TW" altLang="en-US" dirty="0"/>
+                        </a:p>
+                      </a:txBody>
+                      <a:tcPr/>
+                    </a:tc>
+                    <a:tc>
+                      <a:txBody>
+                        <a:bodyPr/>
+                        <a:lstStyle/>
+                        <a:p>
+                          <a:pPr marL="0" marR="0" indent="0" algn="ctr" defTabSz="914400" rtl="0" eaLnBrk="1" fontAlgn="auto" latinLnBrk="0" hangingPunct="1">
+                            <a:lnSpc>
+                              <a:spcPct val="100000"/>
+                            </a:lnSpc>
+                            <a:spcBef>
+                              <a:spcPts val="0"/>
+                            </a:spcBef>
+                            <a:spcAft>
+                              <a:spcPts val="0"/>
+                            </a:spcAft>
+                            <a:buClrTx/>
+                            <a:buSzTx/>
+                            <a:buFontTx/>
+                            <a:buNone/>
+                            <a:tabLst/>
+                            <a:defRPr/>
+                          </a:pPr>
+                          <a:r>
+                            <a:rPr lang="en-US" altLang="zh-TW" dirty="0" smtClean="0"/>
+                            <a:t>Rand in [0,1]</a:t>
+                          </a:r>
+                          <a:endParaRPr lang="zh-TW" altLang="en-US" dirty="0" smtClean="0"/>
+                        </a:p>
+                      </a:txBody>
+                      <a:tcPr/>
+                    </a:tc>
+                    <a:tc>
+                      <a:txBody>
+                        <a:bodyPr/>
+                        <a:lstStyle/>
+                        <a:p>
+                          <a:pPr marL="0" marR="0" indent="0" algn="ctr" defTabSz="914400" rtl="0" eaLnBrk="1" fontAlgn="auto" latinLnBrk="0" hangingPunct="1">
+                            <a:lnSpc>
+                              <a:spcPct val="100000"/>
+                            </a:lnSpc>
+                            <a:spcBef>
+                              <a:spcPts val="0"/>
+                            </a:spcBef>
+                            <a:spcAft>
+                              <a:spcPts val="0"/>
+                            </a:spcAft>
+                            <a:buClrTx/>
+                            <a:buSzTx/>
+                            <a:buFontTx/>
+                            <a:buNone/>
+                            <a:tabLst/>
+                            <a:defRPr/>
+                          </a:pPr>
+                          <a:r>
+                            <a:rPr lang="en-US" altLang="zh-TW" dirty="0" smtClean="0"/>
+                            <a:t>Rand in [0,1]</a:t>
+                          </a:r>
+                          <a:endParaRPr lang="zh-TW" altLang="en-US" dirty="0"/>
+                        </a:p>
+                      </a:txBody>
+                      <a:tcPr/>
+                    </a:tc>
+                  </a:tr>
+                  <a:tr h="497006">
+                    <a:tc>
+                      <a:txBody>
+                        <a:bodyPr/>
+                        <a:lstStyle/>
+                        <a:p>
+                          <a:pPr marL="0" marR="0" indent="0" algn="ctr" defTabSz="914400" rtl="0" eaLnBrk="1" fontAlgn="auto" latinLnBrk="0" hangingPunct="1">
+                            <a:lnSpc>
+                              <a:spcPct val="100000"/>
+                            </a:lnSpc>
+                            <a:spcBef>
+                              <a:spcPts val="0"/>
+                            </a:spcBef>
+                            <a:spcAft>
+                              <a:spcPts val="0"/>
+                            </a:spcAft>
+                            <a:buClrTx/>
+                            <a:buSzTx/>
+                            <a:buFontTx/>
+                            <a:buNone/>
+                            <a:tabLst/>
+                            <a:defRPr/>
+                          </a:pPr>
+                          <a:r>
+                            <a:rPr lang="en-US" altLang="zh-TW" dirty="0" smtClean="0"/>
+                            <a:t>Rule2</a:t>
+                          </a:r>
+                          <a:endParaRPr lang="zh-TW" altLang="en-US" dirty="0" smtClean="0"/>
+                        </a:p>
+                      </a:txBody>
+                      <a:tcPr/>
+                    </a:tc>
+                    <a:tc>
+                      <a:txBody>
+                        <a:bodyPr/>
+                        <a:lstStyle/>
+                        <a:p>
+                          <a:pPr marL="0" marR="0" indent="0" algn="ctr" defTabSz="914400" rtl="0" eaLnBrk="1" fontAlgn="auto" latinLnBrk="0" hangingPunct="1">
+                            <a:lnSpc>
+                              <a:spcPct val="100000"/>
+                            </a:lnSpc>
+                            <a:spcBef>
+                              <a:spcPts val="0"/>
+                            </a:spcBef>
+                            <a:spcAft>
+                              <a:spcPts val="0"/>
+                            </a:spcAft>
+                            <a:buClrTx/>
+                            <a:buSzTx/>
+                            <a:buFontTx/>
+                            <a:buNone/>
+                            <a:tabLst/>
+                            <a:defRPr/>
+                          </a:pPr>
+                          <a:r>
+                            <a:rPr lang="en-US" altLang="zh-TW" dirty="0" smtClean="0"/>
+                            <a:t>Rand in [0,1]</a:t>
+                          </a:r>
+                          <a:endParaRPr lang="zh-TW" altLang="en-US" dirty="0" smtClean="0"/>
+                        </a:p>
+                      </a:txBody>
+                      <a:tcPr/>
+                    </a:tc>
+                    <a:tc>
+                      <a:txBody>
+                        <a:bodyPr/>
+                        <a:lstStyle/>
+                        <a:p>
+                          <a:pPr marL="0" marR="0" indent="0" algn="ctr" defTabSz="914400" rtl="0" eaLnBrk="1" fontAlgn="auto" latinLnBrk="0" hangingPunct="1">
+                            <a:lnSpc>
+                              <a:spcPct val="100000"/>
+                            </a:lnSpc>
+                            <a:spcBef>
+                              <a:spcPts val="0"/>
+                            </a:spcBef>
+                            <a:spcAft>
+                              <a:spcPts val="0"/>
+                            </a:spcAft>
+                            <a:buClrTx/>
+                            <a:buSzTx/>
+                            <a:buFontTx/>
+                            <a:buNone/>
+                            <a:tabLst/>
+                            <a:defRPr/>
+                          </a:pPr>
+                          <a:r>
+                            <a:rPr lang="en-US" altLang="zh-TW" dirty="0" smtClean="0"/>
+                            <a:t>Rand in [0,1]</a:t>
+                          </a:r>
+                          <a:endParaRPr lang="zh-TW" altLang="en-US" dirty="0" smtClean="0"/>
+                        </a:p>
+                      </a:txBody>
+                      <a:tcPr/>
+                    </a:tc>
+                    <a:tc>
+                      <a:txBody>
+                        <a:bodyPr/>
+                        <a:lstStyle/>
+                        <a:p>
+                          <a:pPr marL="0" marR="0" indent="0" algn="ctr" defTabSz="914400" rtl="0" eaLnBrk="1" fontAlgn="auto" latinLnBrk="0" hangingPunct="1">
+                            <a:lnSpc>
+                              <a:spcPct val="100000"/>
+                            </a:lnSpc>
+                            <a:spcBef>
+                              <a:spcPts val="0"/>
+                            </a:spcBef>
+                            <a:spcAft>
+                              <a:spcPts val="0"/>
+                            </a:spcAft>
+                            <a:buClrTx/>
+                            <a:buSzTx/>
+                            <a:buFontTx/>
+                            <a:buNone/>
+                            <a:tabLst/>
+                            <a:defRPr/>
+                          </a:pPr>
+                          <a:r>
+                            <a:rPr lang="en-US" altLang="zh-TW" dirty="0" smtClean="0"/>
+                            <a:t>Rand in [0,1]</a:t>
+                          </a:r>
+                          <a:endParaRPr lang="zh-TW" altLang="en-US" dirty="0" smtClean="0"/>
+                        </a:p>
+                      </a:txBody>
+                      <a:tcPr/>
+                    </a:tc>
+                  </a:tr>
+                  <a:tr h="497006">
+                    <a:tc>
+                      <a:txBody>
+                        <a:bodyPr/>
+                        <a:lstStyle/>
+                        <a:p>
+                          <a:pPr marL="0" marR="0" indent="0" algn="ctr" defTabSz="914400" rtl="0" eaLnBrk="1" fontAlgn="auto" latinLnBrk="0" hangingPunct="1">
+                            <a:lnSpc>
+                              <a:spcPct val="100000"/>
+                            </a:lnSpc>
+                            <a:spcBef>
+                              <a:spcPts val="0"/>
+                            </a:spcBef>
+                            <a:spcAft>
+                              <a:spcPts val="0"/>
+                            </a:spcAft>
+                            <a:buClrTx/>
+                            <a:buSzTx/>
+                            <a:buFontTx/>
+                            <a:buNone/>
+                            <a:tabLst/>
+                            <a:defRPr/>
+                          </a:pPr>
+                          <a:r>
+                            <a:rPr lang="en-US" altLang="zh-TW" dirty="0" smtClean="0"/>
+                            <a:t>Rule3</a:t>
+                          </a:r>
+                          <a:endParaRPr lang="zh-TW" altLang="en-US" dirty="0" smtClean="0"/>
+                        </a:p>
+                      </a:txBody>
+                      <a:tcPr/>
+                    </a:tc>
+                    <a:tc>
+                      <a:txBody>
+                        <a:bodyPr/>
+                        <a:lstStyle/>
+                        <a:p>
+                          <a:pPr marL="0" marR="0" indent="0" algn="ctr" defTabSz="914400" rtl="0" eaLnBrk="1" fontAlgn="auto" latinLnBrk="0" hangingPunct="1">
+                            <a:lnSpc>
+                              <a:spcPct val="100000"/>
+                            </a:lnSpc>
+                            <a:spcBef>
+                              <a:spcPts val="0"/>
+                            </a:spcBef>
+                            <a:spcAft>
+                              <a:spcPts val="0"/>
+                            </a:spcAft>
+                            <a:buClrTx/>
+                            <a:buSzTx/>
+                            <a:buFontTx/>
+                            <a:buNone/>
+                            <a:tabLst/>
+                            <a:defRPr/>
+                          </a:pPr>
+                          <a:r>
+                            <a:rPr lang="en-US" altLang="zh-TW" dirty="0" smtClean="0"/>
+                            <a:t>Rand in [0,1]</a:t>
+                          </a:r>
+                          <a:endParaRPr lang="zh-TW" altLang="en-US" dirty="0" smtClean="0"/>
+                        </a:p>
+                      </a:txBody>
+                      <a:tcPr/>
+                    </a:tc>
+                    <a:tc>
+                      <a:txBody>
+                        <a:bodyPr/>
+                        <a:lstStyle/>
+                        <a:p>
+                          <a:pPr marL="0" marR="0" indent="0" algn="ctr" defTabSz="914400" rtl="0" eaLnBrk="1" fontAlgn="auto" latinLnBrk="0" hangingPunct="1">
+                            <a:lnSpc>
+                              <a:spcPct val="100000"/>
+                            </a:lnSpc>
+                            <a:spcBef>
+                              <a:spcPts val="0"/>
+                            </a:spcBef>
+                            <a:spcAft>
+                              <a:spcPts val="0"/>
+                            </a:spcAft>
+                            <a:buClrTx/>
+                            <a:buSzTx/>
+                            <a:buFontTx/>
+                            <a:buNone/>
+                            <a:tabLst/>
+                            <a:defRPr/>
+                          </a:pPr>
+                          <a:r>
+                            <a:rPr lang="en-US" altLang="zh-TW" dirty="0" smtClean="0"/>
+                            <a:t>Rand in [0,1]</a:t>
+                          </a:r>
+                          <a:endParaRPr lang="zh-TW" altLang="en-US" dirty="0" smtClean="0"/>
+                        </a:p>
+                      </a:txBody>
+                      <a:tcPr/>
+                    </a:tc>
+                    <a:tc>
+                      <a:txBody>
+                        <a:bodyPr/>
+                        <a:lstStyle/>
+                        <a:p>
+                          <a:pPr marL="0" marR="0" indent="0" algn="ctr" defTabSz="914400" rtl="0" eaLnBrk="1" fontAlgn="auto" latinLnBrk="0" hangingPunct="1">
+                            <a:lnSpc>
+                              <a:spcPct val="100000"/>
+                            </a:lnSpc>
+                            <a:spcBef>
+                              <a:spcPts val="0"/>
+                            </a:spcBef>
+                            <a:spcAft>
+                              <a:spcPts val="0"/>
+                            </a:spcAft>
+                            <a:buClrTx/>
+                            <a:buSzTx/>
+                            <a:buFontTx/>
+                            <a:buNone/>
+                            <a:tabLst/>
+                            <a:defRPr/>
+                          </a:pPr>
+                          <a:r>
+                            <a:rPr lang="en-US" altLang="zh-TW" dirty="0" smtClean="0"/>
+                            <a:t>Rand in [0,1]</a:t>
+                          </a:r>
+                          <a:endParaRPr lang="zh-TW" altLang="en-US" dirty="0" smtClean="0"/>
+                        </a:p>
+                      </a:txBody>
+                      <a:tcPr/>
+                    </a:tc>
+                  </a:tr>
+                  <a:tr h="497006">
+                    <a:tc>
+                      <a:txBody>
+                        <a:bodyPr/>
+                        <a:lstStyle/>
+                        <a:p>
+                          <a:pPr marL="0" marR="0" indent="0" algn="ctr" defTabSz="914400" rtl="0" eaLnBrk="1" fontAlgn="auto" latinLnBrk="0" hangingPunct="1">
+                            <a:lnSpc>
+                              <a:spcPct val="100000"/>
+                            </a:lnSpc>
+                            <a:spcBef>
+                              <a:spcPts val="0"/>
+                            </a:spcBef>
+                            <a:spcAft>
+                              <a:spcPts val="0"/>
+                            </a:spcAft>
+                            <a:buClrTx/>
+                            <a:buSzTx/>
+                            <a:buFontTx/>
+                            <a:buNone/>
+                            <a:tabLst/>
+                            <a:defRPr/>
+                          </a:pPr>
+                          <a:r>
+                            <a:rPr lang="en-US" altLang="zh-TW" dirty="0" smtClean="0"/>
+                            <a:t>Rule4</a:t>
+                          </a:r>
+                          <a:endParaRPr lang="zh-TW" altLang="en-US" dirty="0" smtClean="0"/>
+                        </a:p>
+                      </a:txBody>
+                      <a:tcPr/>
+                    </a:tc>
+                    <a:tc>
+                      <a:txBody>
+                        <a:bodyPr/>
+                        <a:lstStyle/>
+                        <a:p>
+                          <a:pPr marL="0" marR="0" indent="0" algn="ctr" defTabSz="914400" rtl="0" eaLnBrk="1" fontAlgn="auto" latinLnBrk="0" hangingPunct="1">
+                            <a:lnSpc>
+                              <a:spcPct val="100000"/>
+                            </a:lnSpc>
+                            <a:spcBef>
+                              <a:spcPts val="0"/>
+                            </a:spcBef>
+                            <a:spcAft>
+                              <a:spcPts val="0"/>
+                            </a:spcAft>
+                            <a:buClrTx/>
+                            <a:buSzTx/>
+                            <a:buFontTx/>
+                            <a:buNone/>
+                            <a:tabLst/>
+                            <a:defRPr/>
+                          </a:pPr>
+                          <a:r>
+                            <a:rPr lang="en-US" altLang="zh-TW" dirty="0" smtClean="0"/>
+                            <a:t>Rand in [0,1]</a:t>
+                          </a:r>
+                          <a:endParaRPr lang="zh-TW" altLang="en-US" dirty="0" smtClean="0"/>
+                        </a:p>
+                      </a:txBody>
+                      <a:tcPr/>
+                    </a:tc>
+                    <a:tc>
+                      <a:txBody>
+                        <a:bodyPr/>
+                        <a:lstStyle/>
+                        <a:p>
+                          <a:pPr marL="0" marR="0" indent="0" algn="ctr" defTabSz="914400" rtl="0" eaLnBrk="1" fontAlgn="auto" latinLnBrk="0" hangingPunct="1">
+                            <a:lnSpc>
+                              <a:spcPct val="100000"/>
+                            </a:lnSpc>
+                            <a:spcBef>
+                              <a:spcPts val="0"/>
+                            </a:spcBef>
+                            <a:spcAft>
+                              <a:spcPts val="0"/>
+                            </a:spcAft>
+                            <a:buClrTx/>
+                            <a:buSzTx/>
+                            <a:buFontTx/>
+                            <a:buNone/>
+                            <a:tabLst/>
+                            <a:defRPr/>
+                          </a:pPr>
+                          <a:r>
+                            <a:rPr lang="en-US" altLang="zh-TW" dirty="0" smtClean="0"/>
+                            <a:t>Rand in [0,1]</a:t>
+                          </a:r>
+                          <a:endParaRPr lang="zh-TW" altLang="en-US" dirty="0" smtClean="0"/>
+                        </a:p>
+                      </a:txBody>
+                      <a:tcPr/>
+                    </a:tc>
+                    <a:tc>
+                      <a:txBody>
+                        <a:bodyPr/>
+                        <a:lstStyle/>
+                        <a:p>
+                          <a:pPr marL="0" marR="0" indent="0" algn="ctr" defTabSz="914400" rtl="0" eaLnBrk="1" fontAlgn="auto" latinLnBrk="0" hangingPunct="1">
+                            <a:lnSpc>
+                              <a:spcPct val="100000"/>
+                            </a:lnSpc>
+                            <a:spcBef>
+                              <a:spcPts val="0"/>
+                            </a:spcBef>
+                            <a:spcAft>
+                              <a:spcPts val="0"/>
+                            </a:spcAft>
+                            <a:buClrTx/>
+                            <a:buSzTx/>
+                            <a:buFontTx/>
+                            <a:buNone/>
+                            <a:tabLst/>
+                            <a:defRPr/>
+                          </a:pPr>
+                          <a:r>
+                            <a:rPr lang="en-US" altLang="zh-TW" dirty="0" smtClean="0"/>
+                            <a:t>Rand in [0,1]</a:t>
+                          </a:r>
+                          <a:endParaRPr lang="zh-TW" altLang="en-US" dirty="0" smtClean="0"/>
+                        </a:p>
+                      </a:txBody>
+                      <a:tcPr/>
+                    </a:tc>
+                  </a:tr>
+                </a:tbl>
+              </a:graphicData>
+            </a:graphic>
+          </p:graphicFrame>
+        </mc:Choice>
+        <mc:Fallback>
+          <p:graphicFrame>
+            <p:nvGraphicFramePr>
+              <p:cNvPr id="8" name="表格 7"/>
+              <p:cNvGraphicFramePr>
+                <a:graphicFrameLocks noGrp="1"/>
+              </p:cNvGraphicFramePr>
+              <p:nvPr>
+                <p:extLst>
+                  <p:ext uri="{D42A27DB-BD31-4B8C-83A1-F6EECF244321}">
+                    <p14:modId xmlns:p14="http://schemas.microsoft.com/office/powerpoint/2010/main" val="133044788"/>
+                  </p:ext>
+                </p:extLst>
+              </p:nvPr>
+            </p:nvGraphicFramePr>
+            <p:xfrm>
+              <a:off x="1154096" y="3924504"/>
+              <a:ext cx="9694416" cy="2485030"/>
+            </p:xfrm>
+            <a:graphic>
+              <a:graphicData uri="http://schemas.openxmlformats.org/drawingml/2006/table">
+                <a:tbl>
+                  <a:tblPr firstRow="1" bandRow="1">
+                    <a:tableStyleId>{C083E6E3-FA7D-4D7B-A595-EF9225AFEA82}</a:tableStyleId>
+                  </a:tblPr>
+                  <a:tblGrid>
+                    <a:gridCol w="2423604"/>
+                    <a:gridCol w="2423604"/>
+                    <a:gridCol w="2423604"/>
+                    <a:gridCol w="2423604"/>
+                  </a:tblGrid>
+                  <a:tr h="497006">
+                    <a:tc>
+                      <a:txBody>
+                        <a:bodyPr/>
+                        <a:lstStyle/>
+                        <a:p>
+                          <a:pPr algn="ctr"/>
+                          <a:r>
+                            <a:rPr lang="en-US" altLang="zh-TW" dirty="0" smtClean="0"/>
+                            <a:t>n</a:t>
+                          </a:r>
+                          <a:endParaRPr lang="zh-TW" altLang="en-US" dirty="0"/>
+                        </a:p>
+                      </a:txBody>
+                      <a:tcPr>
+                        <a:lnT w="12700" cap="flat" cmpd="sng" algn="ctr">
+                          <a:solidFill>
+                            <a:schemeClr val="tx1"/>
+                          </a:solidFill>
+                          <a:prstDash val="solid"/>
+                          <a:round/>
+                          <a:headEnd type="none" w="med" len="med"/>
+                          <a:tailEnd type="none" w="med" len="med"/>
+                        </a:lnT>
+                      </a:tcPr>
+                    </a:tc>
+                    <a:tc>
+                      <a:txBody>
+                        <a:bodyPr/>
+                        <a:lstStyle/>
+                        <a:p>
+                          <a:endParaRPr lang="zh-TW"/>
+                        </a:p>
+                      </a:txBody>
+                      <a:tcPr>
+                        <a:lnT w="12700" cap="flat" cmpd="sng" algn="ctr">
+                          <a:solidFill>
+                            <a:schemeClr val="tx1"/>
+                          </a:solidFill>
+                          <a:prstDash val="solid"/>
+                          <a:round/>
+                          <a:headEnd type="none" w="med" len="med"/>
+                          <a:tailEnd type="none" w="med" len="med"/>
+                        </a:lnT>
+                        <a:blipFill rotWithShape="0">
+                          <a:blip r:embed="rId3"/>
+                          <a:stretch>
+                            <a:fillRect l="-100000" t="-6098" r="-200000" b="-400000"/>
+                          </a:stretch>
+                        </a:blipFill>
+                      </a:tcPr>
+                    </a:tc>
+                    <a:tc>
+                      <a:txBody>
+                        <a:bodyPr/>
+                        <a:lstStyle/>
+                        <a:p>
+                          <a:endParaRPr lang="zh-TW"/>
+                        </a:p>
+                      </a:txBody>
+                      <a:tcPr>
+                        <a:lnT w="12700" cap="flat" cmpd="sng" algn="ctr">
+                          <a:solidFill>
+                            <a:schemeClr val="tx1"/>
+                          </a:solidFill>
+                          <a:prstDash val="solid"/>
+                          <a:round/>
+                          <a:headEnd type="none" w="med" len="med"/>
+                          <a:tailEnd type="none" w="med" len="med"/>
+                        </a:lnT>
+                        <a:blipFill rotWithShape="0">
+                          <a:blip r:embed="rId3"/>
+                          <a:stretch>
+                            <a:fillRect l="-200504" t="-6098" r="-100504" b="-400000"/>
+                          </a:stretch>
+                        </a:blipFill>
+                      </a:tcPr>
+                    </a:tc>
+                    <a:tc>
+                      <a:txBody>
+                        <a:bodyPr/>
+                        <a:lstStyle/>
+                        <a:p>
+                          <a:endParaRPr lang="zh-TW"/>
+                        </a:p>
+                      </a:txBody>
+                      <a:tcPr>
+                        <a:lnT w="12700" cap="flat" cmpd="sng" algn="ctr">
+                          <a:solidFill>
+                            <a:schemeClr val="tx1"/>
+                          </a:solidFill>
+                          <a:prstDash val="solid"/>
+                          <a:round/>
+                          <a:headEnd type="none" w="med" len="med"/>
+                          <a:tailEnd type="none" w="med" len="med"/>
+                        </a:lnT>
+                        <a:blipFill rotWithShape="0">
+                          <a:blip r:embed="rId3"/>
+                          <a:stretch>
+                            <a:fillRect l="-299749" t="-6098" r="-251" b="-400000"/>
+                          </a:stretch>
+                        </a:blipFill>
+                      </a:tcPr>
+                    </a:tc>
+                  </a:tr>
+                  <a:tr h="497006">
+                    <a:tc>
+                      <a:txBody>
+                        <a:bodyPr/>
+                        <a:lstStyle/>
+                        <a:p>
+                          <a:pPr algn="ctr"/>
+                          <a:r>
+                            <a:rPr lang="en-US" altLang="zh-TW" dirty="0" smtClean="0"/>
+                            <a:t>Rule1</a:t>
+                          </a:r>
+                          <a:endParaRPr lang="zh-TW" altLang="en-US" dirty="0"/>
+                        </a:p>
+                      </a:txBody>
+                      <a:tcPr/>
+                    </a:tc>
+                    <a:tc>
+                      <a:txBody>
+                        <a:bodyPr/>
+                        <a:lstStyle/>
+                        <a:p>
+                          <a:pPr algn="ctr"/>
+                          <a:r>
+                            <a:rPr lang="en-US" altLang="zh-TW" dirty="0" smtClean="0"/>
+                            <a:t>Rand in [0,1]</a:t>
+                          </a:r>
+                          <a:endParaRPr lang="zh-TW" altLang="en-US" dirty="0"/>
+                        </a:p>
+                      </a:txBody>
+                      <a:tcPr/>
+                    </a:tc>
+                    <a:tc>
+                      <a:txBody>
+                        <a:bodyPr/>
+                        <a:lstStyle/>
+                        <a:p>
+                          <a:pPr marL="0" marR="0" indent="0" algn="ctr" defTabSz="914400" rtl="0" eaLnBrk="1" fontAlgn="auto" latinLnBrk="0" hangingPunct="1">
+                            <a:lnSpc>
+                              <a:spcPct val="100000"/>
+                            </a:lnSpc>
+                            <a:spcBef>
+                              <a:spcPts val="0"/>
+                            </a:spcBef>
+                            <a:spcAft>
+                              <a:spcPts val="0"/>
+                            </a:spcAft>
+                            <a:buClrTx/>
+                            <a:buSzTx/>
+                            <a:buFontTx/>
+                            <a:buNone/>
+                            <a:tabLst/>
+                            <a:defRPr/>
+                          </a:pPr>
+                          <a:r>
+                            <a:rPr lang="en-US" altLang="zh-TW" dirty="0" smtClean="0"/>
+                            <a:t>Rand in [0,1]</a:t>
+                          </a:r>
+                          <a:endParaRPr lang="zh-TW" altLang="en-US" dirty="0" smtClean="0"/>
+                        </a:p>
+                      </a:txBody>
+                      <a:tcPr/>
+                    </a:tc>
+                    <a:tc>
+                      <a:txBody>
+                        <a:bodyPr/>
+                        <a:lstStyle/>
+                        <a:p>
+                          <a:pPr marL="0" marR="0" indent="0" algn="ctr" defTabSz="914400" rtl="0" eaLnBrk="1" fontAlgn="auto" latinLnBrk="0" hangingPunct="1">
+                            <a:lnSpc>
+                              <a:spcPct val="100000"/>
+                            </a:lnSpc>
+                            <a:spcBef>
+                              <a:spcPts val="0"/>
+                            </a:spcBef>
+                            <a:spcAft>
+                              <a:spcPts val="0"/>
+                            </a:spcAft>
+                            <a:buClrTx/>
+                            <a:buSzTx/>
+                            <a:buFontTx/>
+                            <a:buNone/>
+                            <a:tabLst/>
+                            <a:defRPr/>
+                          </a:pPr>
+                          <a:r>
+                            <a:rPr lang="en-US" altLang="zh-TW" dirty="0" smtClean="0"/>
+                            <a:t>Rand in [0,1]</a:t>
+                          </a:r>
+                          <a:endParaRPr lang="zh-TW" altLang="en-US" dirty="0"/>
+                        </a:p>
+                      </a:txBody>
+                      <a:tcPr/>
+                    </a:tc>
+                  </a:tr>
+                  <a:tr h="497006">
+                    <a:tc>
+                      <a:txBody>
+                        <a:bodyPr/>
+                        <a:lstStyle/>
+                        <a:p>
+                          <a:pPr marL="0" marR="0" indent="0" algn="ctr" defTabSz="914400" rtl="0" eaLnBrk="1" fontAlgn="auto" latinLnBrk="0" hangingPunct="1">
+                            <a:lnSpc>
+                              <a:spcPct val="100000"/>
+                            </a:lnSpc>
+                            <a:spcBef>
+                              <a:spcPts val="0"/>
+                            </a:spcBef>
+                            <a:spcAft>
+                              <a:spcPts val="0"/>
+                            </a:spcAft>
+                            <a:buClrTx/>
+                            <a:buSzTx/>
+                            <a:buFontTx/>
+                            <a:buNone/>
+                            <a:tabLst/>
+                            <a:defRPr/>
+                          </a:pPr>
+                          <a:r>
+                            <a:rPr lang="en-US" altLang="zh-TW" dirty="0" smtClean="0"/>
+                            <a:t>Rule2</a:t>
+                          </a:r>
+                          <a:endParaRPr lang="zh-TW" altLang="en-US" dirty="0" smtClean="0"/>
+                        </a:p>
+                      </a:txBody>
+                      <a:tcPr/>
+                    </a:tc>
+                    <a:tc>
+                      <a:txBody>
+                        <a:bodyPr/>
+                        <a:lstStyle/>
+                        <a:p>
+                          <a:pPr marL="0" marR="0" indent="0" algn="ctr" defTabSz="914400" rtl="0" eaLnBrk="1" fontAlgn="auto" latinLnBrk="0" hangingPunct="1">
+                            <a:lnSpc>
+                              <a:spcPct val="100000"/>
+                            </a:lnSpc>
+                            <a:spcBef>
+                              <a:spcPts val="0"/>
+                            </a:spcBef>
+                            <a:spcAft>
+                              <a:spcPts val="0"/>
+                            </a:spcAft>
+                            <a:buClrTx/>
+                            <a:buSzTx/>
+                            <a:buFontTx/>
+                            <a:buNone/>
+                            <a:tabLst/>
+                            <a:defRPr/>
+                          </a:pPr>
+                          <a:r>
+                            <a:rPr lang="en-US" altLang="zh-TW" dirty="0" smtClean="0"/>
+                            <a:t>Rand in [0,1]</a:t>
+                          </a:r>
+                          <a:endParaRPr lang="zh-TW" altLang="en-US" dirty="0" smtClean="0"/>
+                        </a:p>
+                      </a:txBody>
+                      <a:tcPr/>
+                    </a:tc>
+                    <a:tc>
+                      <a:txBody>
+                        <a:bodyPr/>
+                        <a:lstStyle/>
+                        <a:p>
+                          <a:pPr marL="0" marR="0" indent="0" algn="ctr" defTabSz="914400" rtl="0" eaLnBrk="1" fontAlgn="auto" latinLnBrk="0" hangingPunct="1">
+                            <a:lnSpc>
+                              <a:spcPct val="100000"/>
+                            </a:lnSpc>
+                            <a:spcBef>
+                              <a:spcPts val="0"/>
+                            </a:spcBef>
+                            <a:spcAft>
+                              <a:spcPts val="0"/>
+                            </a:spcAft>
+                            <a:buClrTx/>
+                            <a:buSzTx/>
+                            <a:buFontTx/>
+                            <a:buNone/>
+                            <a:tabLst/>
+                            <a:defRPr/>
+                          </a:pPr>
+                          <a:r>
+                            <a:rPr lang="en-US" altLang="zh-TW" dirty="0" smtClean="0"/>
+                            <a:t>Rand in [0,1]</a:t>
+                          </a:r>
+                          <a:endParaRPr lang="zh-TW" altLang="en-US" dirty="0" smtClean="0"/>
+                        </a:p>
+                      </a:txBody>
+                      <a:tcPr/>
+                    </a:tc>
+                    <a:tc>
+                      <a:txBody>
+                        <a:bodyPr/>
+                        <a:lstStyle/>
+                        <a:p>
+                          <a:pPr marL="0" marR="0" indent="0" algn="ctr" defTabSz="914400" rtl="0" eaLnBrk="1" fontAlgn="auto" latinLnBrk="0" hangingPunct="1">
+                            <a:lnSpc>
+                              <a:spcPct val="100000"/>
+                            </a:lnSpc>
+                            <a:spcBef>
+                              <a:spcPts val="0"/>
+                            </a:spcBef>
+                            <a:spcAft>
+                              <a:spcPts val="0"/>
+                            </a:spcAft>
+                            <a:buClrTx/>
+                            <a:buSzTx/>
+                            <a:buFontTx/>
+                            <a:buNone/>
+                            <a:tabLst/>
+                            <a:defRPr/>
+                          </a:pPr>
+                          <a:r>
+                            <a:rPr lang="en-US" altLang="zh-TW" dirty="0" smtClean="0"/>
+                            <a:t>Rand in [0,1]</a:t>
+                          </a:r>
+                          <a:endParaRPr lang="zh-TW" altLang="en-US" dirty="0" smtClean="0"/>
+                        </a:p>
+                      </a:txBody>
+                      <a:tcPr/>
+                    </a:tc>
+                  </a:tr>
+                  <a:tr h="497006">
+                    <a:tc>
+                      <a:txBody>
+                        <a:bodyPr/>
+                        <a:lstStyle/>
+                        <a:p>
+                          <a:pPr marL="0" marR="0" indent="0" algn="ctr" defTabSz="914400" rtl="0" eaLnBrk="1" fontAlgn="auto" latinLnBrk="0" hangingPunct="1">
+                            <a:lnSpc>
+                              <a:spcPct val="100000"/>
+                            </a:lnSpc>
+                            <a:spcBef>
+                              <a:spcPts val="0"/>
+                            </a:spcBef>
+                            <a:spcAft>
+                              <a:spcPts val="0"/>
+                            </a:spcAft>
+                            <a:buClrTx/>
+                            <a:buSzTx/>
+                            <a:buFontTx/>
+                            <a:buNone/>
+                            <a:tabLst/>
+                            <a:defRPr/>
+                          </a:pPr>
+                          <a:r>
+                            <a:rPr lang="en-US" altLang="zh-TW" dirty="0" smtClean="0"/>
+                            <a:t>Rule3</a:t>
+                          </a:r>
+                          <a:endParaRPr lang="zh-TW" altLang="en-US" dirty="0" smtClean="0"/>
+                        </a:p>
+                      </a:txBody>
+                      <a:tcPr/>
+                    </a:tc>
+                    <a:tc>
+                      <a:txBody>
+                        <a:bodyPr/>
+                        <a:lstStyle/>
+                        <a:p>
+                          <a:pPr marL="0" marR="0" indent="0" algn="ctr" defTabSz="914400" rtl="0" eaLnBrk="1" fontAlgn="auto" latinLnBrk="0" hangingPunct="1">
+                            <a:lnSpc>
+                              <a:spcPct val="100000"/>
+                            </a:lnSpc>
+                            <a:spcBef>
+                              <a:spcPts val="0"/>
+                            </a:spcBef>
+                            <a:spcAft>
+                              <a:spcPts val="0"/>
+                            </a:spcAft>
+                            <a:buClrTx/>
+                            <a:buSzTx/>
+                            <a:buFontTx/>
+                            <a:buNone/>
+                            <a:tabLst/>
+                            <a:defRPr/>
+                          </a:pPr>
+                          <a:r>
+                            <a:rPr lang="en-US" altLang="zh-TW" dirty="0" smtClean="0"/>
+                            <a:t>Rand in [0,1]</a:t>
+                          </a:r>
+                          <a:endParaRPr lang="zh-TW" altLang="en-US" dirty="0" smtClean="0"/>
+                        </a:p>
+                      </a:txBody>
+                      <a:tcPr/>
+                    </a:tc>
+                    <a:tc>
+                      <a:txBody>
+                        <a:bodyPr/>
+                        <a:lstStyle/>
+                        <a:p>
+                          <a:pPr marL="0" marR="0" indent="0" algn="ctr" defTabSz="914400" rtl="0" eaLnBrk="1" fontAlgn="auto" latinLnBrk="0" hangingPunct="1">
+                            <a:lnSpc>
+                              <a:spcPct val="100000"/>
+                            </a:lnSpc>
+                            <a:spcBef>
+                              <a:spcPts val="0"/>
+                            </a:spcBef>
+                            <a:spcAft>
+                              <a:spcPts val="0"/>
+                            </a:spcAft>
+                            <a:buClrTx/>
+                            <a:buSzTx/>
+                            <a:buFontTx/>
+                            <a:buNone/>
+                            <a:tabLst/>
+                            <a:defRPr/>
+                          </a:pPr>
+                          <a:r>
+                            <a:rPr lang="en-US" altLang="zh-TW" dirty="0" smtClean="0"/>
+                            <a:t>Rand in [0,1]</a:t>
+                          </a:r>
+                          <a:endParaRPr lang="zh-TW" altLang="en-US" dirty="0" smtClean="0"/>
+                        </a:p>
+                      </a:txBody>
+                      <a:tcPr/>
+                    </a:tc>
+                    <a:tc>
+                      <a:txBody>
+                        <a:bodyPr/>
+                        <a:lstStyle/>
+                        <a:p>
+                          <a:pPr marL="0" marR="0" indent="0" algn="ctr" defTabSz="914400" rtl="0" eaLnBrk="1" fontAlgn="auto" latinLnBrk="0" hangingPunct="1">
+                            <a:lnSpc>
+                              <a:spcPct val="100000"/>
+                            </a:lnSpc>
+                            <a:spcBef>
+                              <a:spcPts val="0"/>
+                            </a:spcBef>
+                            <a:spcAft>
+                              <a:spcPts val="0"/>
+                            </a:spcAft>
+                            <a:buClrTx/>
+                            <a:buSzTx/>
+                            <a:buFontTx/>
+                            <a:buNone/>
+                            <a:tabLst/>
+                            <a:defRPr/>
+                          </a:pPr>
+                          <a:r>
+                            <a:rPr lang="en-US" altLang="zh-TW" dirty="0" smtClean="0"/>
+                            <a:t>Rand in [0,1]</a:t>
+                          </a:r>
+                          <a:endParaRPr lang="zh-TW" altLang="en-US" dirty="0" smtClean="0"/>
+                        </a:p>
+                      </a:txBody>
+                      <a:tcPr/>
+                    </a:tc>
+                  </a:tr>
+                  <a:tr h="497006">
+                    <a:tc>
+                      <a:txBody>
+                        <a:bodyPr/>
+                        <a:lstStyle/>
+                        <a:p>
+                          <a:pPr marL="0" marR="0" indent="0" algn="ctr" defTabSz="914400" rtl="0" eaLnBrk="1" fontAlgn="auto" latinLnBrk="0" hangingPunct="1">
+                            <a:lnSpc>
+                              <a:spcPct val="100000"/>
+                            </a:lnSpc>
+                            <a:spcBef>
+                              <a:spcPts val="0"/>
+                            </a:spcBef>
+                            <a:spcAft>
+                              <a:spcPts val="0"/>
+                            </a:spcAft>
+                            <a:buClrTx/>
+                            <a:buSzTx/>
+                            <a:buFontTx/>
+                            <a:buNone/>
+                            <a:tabLst/>
+                            <a:defRPr/>
+                          </a:pPr>
+                          <a:r>
+                            <a:rPr lang="en-US" altLang="zh-TW" dirty="0" smtClean="0"/>
+                            <a:t>Rule4</a:t>
+                          </a:r>
+                          <a:endParaRPr lang="zh-TW" altLang="en-US" dirty="0" smtClean="0"/>
+                        </a:p>
+                      </a:txBody>
+                      <a:tcPr/>
+                    </a:tc>
+                    <a:tc>
+                      <a:txBody>
+                        <a:bodyPr/>
+                        <a:lstStyle/>
+                        <a:p>
+                          <a:pPr marL="0" marR="0" indent="0" algn="ctr" defTabSz="914400" rtl="0" eaLnBrk="1" fontAlgn="auto" latinLnBrk="0" hangingPunct="1">
+                            <a:lnSpc>
+                              <a:spcPct val="100000"/>
+                            </a:lnSpc>
+                            <a:spcBef>
+                              <a:spcPts val="0"/>
+                            </a:spcBef>
+                            <a:spcAft>
+                              <a:spcPts val="0"/>
+                            </a:spcAft>
+                            <a:buClrTx/>
+                            <a:buSzTx/>
+                            <a:buFontTx/>
+                            <a:buNone/>
+                            <a:tabLst/>
+                            <a:defRPr/>
+                          </a:pPr>
+                          <a:r>
+                            <a:rPr lang="en-US" altLang="zh-TW" dirty="0" smtClean="0"/>
+                            <a:t>Rand in [0,1]</a:t>
+                          </a:r>
+                          <a:endParaRPr lang="zh-TW" altLang="en-US" dirty="0" smtClean="0"/>
+                        </a:p>
+                      </a:txBody>
+                      <a:tcPr/>
+                    </a:tc>
+                    <a:tc>
+                      <a:txBody>
+                        <a:bodyPr/>
+                        <a:lstStyle/>
+                        <a:p>
+                          <a:pPr marL="0" marR="0" indent="0" algn="ctr" defTabSz="914400" rtl="0" eaLnBrk="1" fontAlgn="auto" latinLnBrk="0" hangingPunct="1">
+                            <a:lnSpc>
+                              <a:spcPct val="100000"/>
+                            </a:lnSpc>
+                            <a:spcBef>
+                              <a:spcPts val="0"/>
+                            </a:spcBef>
+                            <a:spcAft>
+                              <a:spcPts val="0"/>
+                            </a:spcAft>
+                            <a:buClrTx/>
+                            <a:buSzTx/>
+                            <a:buFontTx/>
+                            <a:buNone/>
+                            <a:tabLst/>
+                            <a:defRPr/>
+                          </a:pPr>
+                          <a:r>
+                            <a:rPr lang="en-US" altLang="zh-TW" dirty="0" smtClean="0"/>
+                            <a:t>Rand in [0,1]</a:t>
+                          </a:r>
+                          <a:endParaRPr lang="zh-TW" altLang="en-US" dirty="0" smtClean="0"/>
+                        </a:p>
+                      </a:txBody>
+                      <a:tcPr/>
+                    </a:tc>
+                    <a:tc>
+                      <a:txBody>
+                        <a:bodyPr/>
+                        <a:lstStyle/>
+                        <a:p>
+                          <a:pPr marL="0" marR="0" indent="0" algn="ctr" defTabSz="914400" rtl="0" eaLnBrk="1" fontAlgn="auto" latinLnBrk="0" hangingPunct="1">
+                            <a:lnSpc>
+                              <a:spcPct val="100000"/>
+                            </a:lnSpc>
+                            <a:spcBef>
+                              <a:spcPts val="0"/>
+                            </a:spcBef>
+                            <a:spcAft>
+                              <a:spcPts val="0"/>
+                            </a:spcAft>
+                            <a:buClrTx/>
+                            <a:buSzTx/>
+                            <a:buFontTx/>
+                            <a:buNone/>
+                            <a:tabLst/>
+                            <a:defRPr/>
+                          </a:pPr>
+                          <a:r>
+                            <a:rPr lang="en-US" altLang="zh-TW" dirty="0" smtClean="0"/>
+                            <a:t>Rand in [0,1]</a:t>
+                          </a:r>
+                          <a:endParaRPr lang="zh-TW" altLang="en-US" dirty="0" smtClean="0"/>
+                        </a:p>
+                      </a:txBody>
+                      <a:tcPr/>
+                    </a:tc>
+                  </a:tr>
+                </a:tbl>
+              </a:graphicData>
+            </a:graphic>
+          </p:graphicFrame>
+        </mc:Fallback>
+      </mc:AlternateContent>
       <p:sp>
         <p:nvSpPr>
           <p:cNvPr id="9" name="文字方塊 8"/>
@@ -9054,8 +10323,8 @@
           </a:p>
         </p:txBody>
       </p:sp>
-      <mc:AlternateContent xmlns:mc="http://schemas.openxmlformats.org/markup-compatibility/2006">
-        <mc:Choice xmlns:a14="http://schemas.microsoft.com/office/drawing/2010/main" Requires="a14">
+      <mc:AlternateContent xmlns:mc="http://schemas.openxmlformats.org/markup-compatibility/2006" xmlns:a14="http://schemas.microsoft.com/office/drawing/2010/main">
+        <mc:Choice Requires="a14">
           <p:sp>
             <p:nvSpPr>
               <p:cNvPr id="11" name="文字方塊 10"/>
@@ -9210,7 +10479,7 @@
             </p:txBody>
           </p:sp>
         </mc:Choice>
-        <mc:Fallback>
+        <mc:Fallback xmlns="">
           <p:sp>
             <p:nvSpPr>
               <p:cNvPr id="11" name="文字方塊 10"/>
@@ -9228,7 +10497,7 @@
                 <a:avLst/>
               </a:prstGeom>
               <a:blipFill rotWithShape="0">
-                <a:blip r:embed="rId2"/>
+                <a:blip r:embed="rId4"/>
                 <a:stretch>
                   <a:fillRect l="-2591" t="-13830"/>
                 </a:stretch>
@@ -9288,7 +10557,7 @@
       </p:grpSpPr>
       <p:pic>
         <p:nvPicPr>
-          <p:cNvPr id="4" name="圖片 3"/>
+          <p:cNvPr id="5" name="圖片 4"/>
           <p:cNvPicPr>
             <a:picLocks noChangeAspect="1"/>
           </p:cNvPicPr>
@@ -9302,8 +10571,8 @@
         </p:blipFill>
         <p:spPr>
           <a:xfrm>
-            <a:off x="1497294" y="71725"/>
-            <a:ext cx="9058254" cy="6786275"/>
+            <a:off x="565220" y="809161"/>
+            <a:ext cx="6474044" cy="4850233"/>
           </a:xfrm>
           <a:prstGeom prst="rect">
             <a:avLst/>
@@ -9378,8 +10647,8 @@
           </a:p>
         </p:txBody>
       </p:sp>
-      <mc:AlternateContent xmlns:mc="http://schemas.openxmlformats.org/markup-compatibility/2006">
-        <mc:Choice xmlns:a14="http://schemas.microsoft.com/office/drawing/2010/main" Requires="a14">
+      <mc:AlternateContent xmlns:mc="http://schemas.openxmlformats.org/markup-compatibility/2006" xmlns:a14="http://schemas.microsoft.com/office/drawing/2010/main">
+        <mc:Choice Requires="a14">
           <p:graphicFrame>
             <p:nvGraphicFramePr>
               <p:cNvPr id="4" name="內容版面配置區 3"/>
@@ -9732,11 +11001,7 @@
                           <a:pPr algn="ctr"/>
                           <a:r>
                             <a:rPr lang="en-US" altLang="zh-TW" sz="3600" dirty="0" smtClean="0"/>
-                            <a:t>Random in [0,1</a:t>
-                          </a:r>
-                          <a:r>
-                            <a:rPr lang="en-US" altLang="zh-TW" sz="3600" dirty="0" smtClean="0"/>
-                            <a:t>]</a:t>
+                            <a:t>Random in [0,1]</a:t>
                           </a:r>
                           <a:endParaRPr lang="zh-TW" altLang="en-US" sz="3600" dirty="0"/>
                         </a:p>
@@ -9749,7 +11014,7 @@
             </a:graphic>
           </p:graphicFrame>
         </mc:Choice>
-        <mc:Fallback>
+        <mc:Fallback xmlns="">
           <p:graphicFrame>
             <p:nvGraphicFramePr>
               <p:cNvPr id="4" name="內容版面配置區 3"/>
@@ -10024,9 +11289,69 @@
           <a:chExt cx="0" cy="0"/>
         </a:xfrm>
       </p:grpSpPr>
+      <p:sp>
+        <p:nvSpPr>
+          <p:cNvPr id="5" name="文字方塊 4"/>
+          <p:cNvSpPr txBox="1"/>
+          <p:nvPr/>
+        </p:nvSpPr>
+        <p:spPr>
+          <a:xfrm>
+            <a:off x="2774175" y="5585254"/>
+            <a:ext cx="1620636" cy="369332"/>
+          </a:xfrm>
+          <a:prstGeom prst="rect">
+            <a:avLst/>
+          </a:prstGeom>
+          <a:noFill/>
+        </p:spPr>
+        <p:txBody>
+          <a:bodyPr wrap="none" rtlCol="0">
+            <a:spAutoFit/>
+          </a:bodyPr>
+          <a:lstStyle/>
+          <a:p>
+            <a:r>
+              <a:rPr lang="en-US" altLang="zh-TW" dirty="0" smtClean="0"/>
+              <a:t>Before learning</a:t>
+            </a:r>
+            <a:endParaRPr lang="zh-TW" altLang="en-US" dirty="0"/>
+          </a:p>
+        </p:txBody>
+      </p:sp>
+      <p:sp>
+        <p:nvSpPr>
+          <p:cNvPr id="6" name="文字方塊 5"/>
+          <p:cNvSpPr txBox="1"/>
+          <p:nvPr/>
+        </p:nvSpPr>
+        <p:spPr>
+          <a:xfrm>
+            <a:off x="8351311" y="5585254"/>
+            <a:ext cx="1475789" cy="369332"/>
+          </a:xfrm>
+          <a:prstGeom prst="rect">
+            <a:avLst/>
+          </a:prstGeom>
+          <a:noFill/>
+        </p:spPr>
+        <p:txBody>
+          <a:bodyPr wrap="none" rtlCol="0">
+            <a:spAutoFit/>
+          </a:bodyPr>
+          <a:lstStyle/>
+          <a:p>
+            <a:r>
+              <a:rPr lang="en-US" altLang="zh-TW" dirty="0" smtClean="0"/>
+              <a:t>After learning</a:t>
+            </a:r>
+            <a:endParaRPr lang="zh-TW" altLang="en-US" dirty="0"/>
+          </a:p>
+        </p:txBody>
+      </p:sp>
       <p:pic>
         <p:nvPicPr>
-          <p:cNvPr id="4" name="圖片 3"/>
+          <p:cNvPr id="7" name="圖片 6"/>
           <p:cNvPicPr>
             <a:picLocks noChangeAspect="1"/>
           </p:cNvPicPr>
@@ -10040,8 +11365,32 @@
         </p:blipFill>
         <p:spPr>
           <a:xfrm>
-            <a:off x="1053410" y="0"/>
-            <a:ext cx="8720903" cy="6533538"/>
+            <a:off x="664074" y="1295194"/>
+            <a:ext cx="5344500" cy="4004000"/>
+          </a:xfrm>
+          <a:prstGeom prst="rect">
+            <a:avLst/>
+          </a:prstGeom>
+        </p:spPr>
+      </p:pic>
+      <p:pic>
+        <p:nvPicPr>
+          <p:cNvPr id="8" name="圖片 7"/>
+          <p:cNvPicPr>
+            <a:picLocks noChangeAspect="1"/>
+          </p:cNvPicPr>
+          <p:nvPr/>
+        </p:nvPicPr>
+        <p:blipFill>
+          <a:blip r:embed="rId3"/>
+          <a:stretch>
+            <a:fillRect/>
+          </a:stretch>
+        </p:blipFill>
+        <p:spPr>
+          <a:xfrm>
+            <a:off x="6008574" y="1295194"/>
+            <a:ext cx="5344500" cy="4004000"/>
           </a:xfrm>
           <a:prstGeom prst="rect">
             <a:avLst/>
